--- a/Final_Report/Capstone_nonvoters_presentation.pptx
+++ b/Final_Report/Capstone_nonvoters_presentation.pptx
@@ -7,22 +7,29 @@
   <p:sldIdLst>
     <p:sldId id="256" r:id="rId2"/>
     <p:sldId id="257" r:id="rId3"/>
-    <p:sldId id="259" r:id="rId4"/>
-    <p:sldId id="260" r:id="rId5"/>
-    <p:sldId id="261" r:id="rId6"/>
-    <p:sldId id="262" r:id="rId7"/>
-    <p:sldId id="263" r:id="rId8"/>
-    <p:sldId id="264" r:id="rId9"/>
-    <p:sldId id="265" r:id="rId10"/>
-    <p:sldId id="266" r:id="rId11"/>
-    <p:sldId id="267" r:id="rId12"/>
-    <p:sldId id="270" r:id="rId13"/>
-    <p:sldId id="271" r:id="rId14"/>
-    <p:sldId id="269" r:id="rId15"/>
-    <p:sldId id="272" r:id="rId16"/>
-    <p:sldId id="273" r:id="rId17"/>
-    <p:sldId id="274" r:id="rId18"/>
-    <p:sldId id="275" r:id="rId19"/>
+    <p:sldId id="277" r:id="rId4"/>
+    <p:sldId id="284" r:id="rId5"/>
+    <p:sldId id="278" r:id="rId6"/>
+    <p:sldId id="259" r:id="rId7"/>
+    <p:sldId id="260" r:id="rId8"/>
+    <p:sldId id="261" r:id="rId9"/>
+    <p:sldId id="262" r:id="rId10"/>
+    <p:sldId id="263" r:id="rId11"/>
+    <p:sldId id="264" r:id="rId12"/>
+    <p:sldId id="279" r:id="rId13"/>
+    <p:sldId id="265" r:id="rId14"/>
+    <p:sldId id="266" r:id="rId15"/>
+    <p:sldId id="267" r:id="rId16"/>
+    <p:sldId id="270" r:id="rId17"/>
+    <p:sldId id="271" r:id="rId18"/>
+    <p:sldId id="269" r:id="rId19"/>
+    <p:sldId id="280" r:id="rId20"/>
+    <p:sldId id="272" r:id="rId21"/>
+    <p:sldId id="283" r:id="rId22"/>
+    <p:sldId id="281" r:id="rId23"/>
+    <p:sldId id="273" r:id="rId24"/>
+    <p:sldId id="274" r:id="rId25"/>
+    <p:sldId id="275" r:id="rId26"/>
   </p:sldIdLst>
   <p:sldSz cx="12192000" cy="6858000"/>
   <p:notesSz cx="6858000" cy="9144000"/>
@@ -6127,7 +6134,7 @@
           <p:cNvPr id="2" name="Title 1">
             <a:extLst>
               <a:ext uri="{FF2B5EF4-FFF2-40B4-BE49-F238E27FC236}">
-                <a16:creationId xmlns:a16="http://schemas.microsoft.com/office/drawing/2014/main" id="{8FBD4B69-C291-4C86-83A4-1D12727FB190}"/>
+                <a16:creationId xmlns:a16="http://schemas.microsoft.com/office/drawing/2014/main" id="{A464110F-BD9E-4474-BDEB-D7A208DBC22B}"/>
               </a:ext>
             </a:extLst>
           </p:cNvPr>
@@ -6141,10 +6148,48 @@
         <p:spPr/>
         <p:txBody>
           <a:bodyPr>
-            <a:normAutofit fontScale="90000"/>
+            <a:normAutofit/>
           </a:bodyPr>
           <a:lstStyle/>
           <a:p>
+            <a:r>
+              <a:rPr lang="en-US" sz="2400" dirty="0"/>
+              <a:t>Most Important Responses</a:t>
+            </a:r>
+          </a:p>
+        </p:txBody>
+      </p:sp>
+      <p:sp>
+        <p:nvSpPr>
+          <p:cNvPr id="3" name="Content Placeholder 2">
+            <a:extLst>
+              <a:ext uri="{FF2B5EF4-FFF2-40B4-BE49-F238E27FC236}">
+                <a16:creationId xmlns:a16="http://schemas.microsoft.com/office/drawing/2014/main" id="{45285A01-539A-408F-ACD2-DBB5B0A76FAD}"/>
+              </a:ext>
+            </a:extLst>
+          </p:cNvPr>
+          <p:cNvSpPr>
+            <a:spLocks noGrp="1"/>
+          </p:cNvSpPr>
+          <p:nvPr>
+            <p:ph idx="1"/>
+          </p:nvPr>
+        </p:nvSpPr>
+        <p:spPr>
+          <a:xfrm>
+            <a:off x="919118" y="2904024"/>
+            <a:ext cx="10415631" cy="1658451"/>
+          </a:xfrm>
+        </p:spPr>
+        <p:txBody>
+          <a:bodyPr>
+            <a:noAutofit/>
+          </a:bodyPr>
+          <a:lstStyle/>
+          <a:p>
+            <a:pPr marL="36900" indent="0" algn="ctr">
+              <a:buNone/>
+            </a:pPr>
             <a:r>
               <a:rPr lang="en-US" sz="4000" dirty="0">
                 <a:effectLst/>
@@ -6152,215 +6197,16 @@
                 <a:ea typeface="Calibri" panose="020F0502020204030204" pitchFamily="34" charset="0"/>
                 <a:cs typeface="Times New Roman" panose="02020603050405020304" pitchFamily="18" charset="0"/>
               </a:rPr>
-              <a:t>Cluster 1: Nonvoters    </a:t>
-            </a:r>
-            <a:br>
-              <a:rPr lang="en-US" sz="4000" dirty="0">
-                <a:effectLst/>
-                <a:latin typeface="Calibri" panose="020F0502020204030204" pitchFamily="34" charset="0"/>
-                <a:ea typeface="Calibri" panose="020F0502020204030204" pitchFamily="34" charset="0"/>
-                <a:cs typeface="Times New Roman" panose="02020603050405020304" pitchFamily="18" charset="0"/>
-              </a:rPr>
-            </a:br>
-            <a:endParaRPr lang="en-US" dirty="0"/>
-          </a:p>
-        </p:txBody>
-      </p:sp>
-      <p:sp>
-        <p:nvSpPr>
-          <p:cNvPr id="3" name="Content Placeholder 2">
-            <a:extLst>
-              <a:ext uri="{FF2B5EF4-FFF2-40B4-BE49-F238E27FC236}">
-                <a16:creationId xmlns:a16="http://schemas.microsoft.com/office/drawing/2014/main" id="{D30E14DC-4D0D-4E88-A936-B89CF9310123}"/>
-              </a:ext>
-            </a:extLst>
-          </p:cNvPr>
-          <p:cNvSpPr>
-            <a:spLocks noGrp="1"/>
-          </p:cNvSpPr>
-          <p:nvPr>
-            <p:ph idx="1"/>
-          </p:nvPr>
-        </p:nvSpPr>
-        <p:spPr>
-          <a:xfrm>
-            <a:off x="913794" y="1732449"/>
-            <a:ext cx="10687655" cy="4839801"/>
-          </a:xfrm>
-        </p:spPr>
-        <p:txBody>
-          <a:bodyPr>
-            <a:noAutofit/>
-          </a:bodyPr>
-          <a:lstStyle/>
-          <a:p>
-            <a:pPr marL="342900" marR="0" lvl="0" indent="-342900">
-              <a:lnSpc>
-                <a:spcPct val="150000"/>
-              </a:lnSpc>
-              <a:spcBef>
-                <a:spcPts val="0"/>
-              </a:spcBef>
-              <a:spcAft>
-                <a:spcPts val="0"/>
-              </a:spcAft>
-              <a:buFont typeface="Symbol" panose="05050102010706020507" pitchFamily="18" charset="2"/>
-              <a:buChar char=""/>
-            </a:pPr>
-            <a:r>
-              <a:rPr lang="en-US" sz="2800" dirty="0">
-                <a:effectLst/>
-                <a:latin typeface="Garamond" panose="02020404030301010803" pitchFamily="18" charset="0"/>
-                <a:ea typeface="Calibri" panose="020F0502020204030204" pitchFamily="34" charset="0"/>
-                <a:cs typeface="Times New Roman" panose="02020603050405020304" pitchFamily="18" charset="0"/>
-              </a:rPr>
-              <a:t>Voting in elections -- not at all important  </a:t>
-            </a:r>
-            <a:endParaRPr lang="en-US" sz="2800" dirty="0">
-              <a:effectLst/>
-              <a:latin typeface="Calibri" panose="020F0502020204030204" pitchFamily="34" charset="0"/>
-              <a:ea typeface="Calibri" panose="020F0502020204030204" pitchFamily="34" charset="0"/>
-              <a:cs typeface="Times New Roman" panose="02020603050405020304" pitchFamily="18" charset="0"/>
-            </a:endParaRPr>
-          </a:p>
-          <a:p>
-            <a:pPr marL="342900" marR="0" lvl="0" indent="-342900">
-              <a:lnSpc>
-                <a:spcPct val="150000"/>
-              </a:lnSpc>
-              <a:spcBef>
-                <a:spcPts val="0"/>
-              </a:spcBef>
-              <a:spcAft>
-                <a:spcPts val="0"/>
-              </a:spcAft>
-              <a:buFont typeface="Symbol" panose="05050102010706020507" pitchFamily="18" charset="2"/>
-              <a:buChar char=""/>
-            </a:pPr>
-            <a:r>
-              <a:rPr lang="en-US" sz="2800" dirty="0">
-                <a:effectLst/>
-                <a:latin typeface="Garamond" panose="02020404030301010803" pitchFamily="18" charset="0"/>
-                <a:ea typeface="Calibri" panose="020F0502020204030204" pitchFamily="34" charset="0"/>
-                <a:cs typeface="Times New Roman" panose="02020603050405020304" pitchFamily="18" charset="0"/>
-              </a:rPr>
-              <a:t>I don’t believe in voting  </a:t>
-            </a:r>
-            <a:endParaRPr lang="en-US" sz="2800" dirty="0">
-              <a:effectLst/>
-              <a:latin typeface="Calibri" panose="020F0502020204030204" pitchFamily="34" charset="0"/>
-              <a:ea typeface="Calibri" panose="020F0502020204030204" pitchFamily="34" charset="0"/>
-              <a:cs typeface="Times New Roman" panose="02020603050405020304" pitchFamily="18" charset="0"/>
-            </a:endParaRPr>
-          </a:p>
-          <a:p>
-            <a:pPr marL="342900" marR="0" lvl="0" indent="-342900">
-              <a:lnSpc>
-                <a:spcPct val="150000"/>
-              </a:lnSpc>
-              <a:spcBef>
-                <a:spcPts val="0"/>
-              </a:spcBef>
-              <a:spcAft>
-                <a:spcPts val="0"/>
-              </a:spcAft>
-              <a:buFont typeface="Symbol" panose="05050102010706020507" pitchFamily="18" charset="2"/>
-              <a:buChar char=""/>
-            </a:pPr>
-            <a:r>
-              <a:rPr lang="en-US" sz="2800" dirty="0">
-                <a:effectLst/>
-                <a:latin typeface="Garamond" panose="02020404030301010803" pitchFamily="18" charset="0"/>
-                <a:ea typeface="Calibri" panose="020F0502020204030204" pitchFamily="34" charset="0"/>
-                <a:cs typeface="Times New Roman" panose="02020603050405020304" pitchFamily="18" charset="0"/>
-              </a:rPr>
-              <a:t>Following what happens in government and politics -- not at all important  </a:t>
-            </a:r>
-            <a:endParaRPr lang="en-US" sz="2800" dirty="0">
-              <a:effectLst/>
-              <a:latin typeface="Calibri" panose="020F0502020204030204" pitchFamily="34" charset="0"/>
-              <a:ea typeface="Calibri" panose="020F0502020204030204" pitchFamily="34" charset="0"/>
-              <a:cs typeface="Times New Roman" panose="02020603050405020304" pitchFamily="18" charset="0"/>
-            </a:endParaRPr>
-          </a:p>
-          <a:p>
-            <a:pPr marL="342900" marR="0" lvl="0" indent="-342900">
-              <a:lnSpc>
-                <a:spcPct val="150000"/>
-              </a:lnSpc>
-              <a:spcBef>
-                <a:spcPts val="0"/>
-              </a:spcBef>
-              <a:spcAft>
-                <a:spcPts val="0"/>
-              </a:spcAft>
-              <a:buFont typeface="Symbol" panose="05050102010706020507" pitchFamily="18" charset="2"/>
-              <a:buChar char=""/>
-            </a:pPr>
-            <a:r>
-              <a:rPr lang="en-US" sz="2800" dirty="0">
-                <a:effectLst/>
-                <a:latin typeface="Garamond" panose="02020404030301010803" pitchFamily="18" charset="0"/>
-                <a:ea typeface="Calibri" panose="020F0502020204030204" pitchFamily="34" charset="0"/>
-                <a:cs typeface="Times New Roman" panose="02020603050405020304" pitchFamily="18" charset="0"/>
-              </a:rPr>
-              <a:t>I don’t trust the political system to serve my needs  </a:t>
-            </a:r>
-            <a:endParaRPr lang="en-US" sz="2800" dirty="0">
-              <a:effectLst/>
-              <a:latin typeface="Calibri" panose="020F0502020204030204" pitchFamily="34" charset="0"/>
-              <a:ea typeface="Calibri" panose="020F0502020204030204" pitchFamily="34" charset="0"/>
-              <a:cs typeface="Times New Roman" panose="02020603050405020304" pitchFamily="18" charset="0"/>
-            </a:endParaRPr>
-          </a:p>
-          <a:p>
-            <a:pPr marL="342900" marR="0" lvl="0" indent="-342900">
-              <a:lnSpc>
-                <a:spcPct val="150000"/>
-              </a:lnSpc>
-              <a:spcBef>
-                <a:spcPts val="0"/>
-              </a:spcBef>
-              <a:spcAft>
-                <a:spcPts val="800"/>
-              </a:spcAft>
-              <a:buFont typeface="Symbol" panose="05050102010706020507" pitchFamily="18" charset="2"/>
-              <a:buChar char=""/>
-            </a:pPr>
-            <a:r>
-              <a:rPr lang="en-US" sz="2800" dirty="0">
-                <a:effectLst/>
-                <a:latin typeface="Garamond" panose="02020404030301010803" pitchFamily="18" charset="0"/>
-                <a:ea typeface="Calibri" panose="020F0502020204030204" pitchFamily="34" charset="0"/>
-                <a:cs typeface="Times New Roman" panose="02020603050405020304" pitchFamily="18" charset="0"/>
-              </a:rPr>
-              <a:t>Do not plan to vote in November 2020 election  </a:t>
-            </a:r>
-            <a:endParaRPr lang="en-US" sz="2800" dirty="0">
-              <a:effectLst/>
-              <a:latin typeface="Calibri" panose="020F0502020204030204" pitchFamily="34" charset="0"/>
-              <a:ea typeface="Calibri" panose="020F0502020204030204" pitchFamily="34" charset="0"/>
-              <a:cs typeface="Times New Roman" panose="02020603050405020304" pitchFamily="18" charset="0"/>
-            </a:endParaRPr>
-          </a:p>
-          <a:p>
-            <a:r>
-              <a:rPr lang="en-US" sz="2800" dirty="0">
-                <a:effectLst/>
-                <a:latin typeface="Garamond" panose="02020404030301010803" pitchFamily="18" charset="0"/>
-                <a:ea typeface="Calibri" panose="020F0502020204030204" pitchFamily="34" charset="0"/>
-                <a:cs typeface="Times New Roman" panose="02020603050405020304" pitchFamily="18" charset="0"/>
-              </a:rPr>
-              <a:t>Never vote - 72%</a:t>
-            </a:r>
-            <a:endParaRPr lang="en-US" sz="2800" dirty="0"/>
+              <a:t>7. No matter who wins, nothing will change for people like me</a:t>
+            </a:r>
+            <a:endParaRPr lang="en-US" sz="4000" dirty="0"/>
           </a:p>
         </p:txBody>
       </p:sp>
     </p:spTree>
     <p:extLst>
       <p:ext uri="{BB962C8B-B14F-4D97-AF65-F5344CB8AC3E}">
-        <p14:creationId xmlns:p14="http://schemas.microsoft.com/office/powerpoint/2010/main" val="2236577928"/>
+        <p14:creationId xmlns:p14="http://schemas.microsoft.com/office/powerpoint/2010/main" val="1378337993"/>
       </p:ext>
     </p:extLst>
   </p:cSld>
@@ -6392,7 +6238,7 @@
           <p:cNvPr id="2" name="Title 1">
             <a:extLst>
               <a:ext uri="{FF2B5EF4-FFF2-40B4-BE49-F238E27FC236}">
-                <a16:creationId xmlns:a16="http://schemas.microsoft.com/office/drawing/2014/main" id="{8FBD4B69-C291-4C86-83A4-1D12727FB190}"/>
+                <a16:creationId xmlns:a16="http://schemas.microsoft.com/office/drawing/2014/main" id="{A464110F-BD9E-4474-BDEB-D7A208DBC22B}"/>
               </a:ext>
             </a:extLst>
           </p:cNvPr>
@@ -6410,6 +6256,44 @@
           </a:bodyPr>
           <a:lstStyle/>
           <a:p>
+            <a:r>
+              <a:rPr lang="en-US" sz="2400" dirty="0"/>
+              <a:t>Not Important Responses</a:t>
+            </a:r>
+          </a:p>
+        </p:txBody>
+      </p:sp>
+      <p:sp>
+        <p:nvSpPr>
+          <p:cNvPr id="3" name="Content Placeholder 2">
+            <a:extLst>
+              <a:ext uri="{FF2B5EF4-FFF2-40B4-BE49-F238E27FC236}">
+                <a16:creationId xmlns:a16="http://schemas.microsoft.com/office/drawing/2014/main" id="{45285A01-539A-408F-ACD2-DBB5B0A76FAD}"/>
+              </a:ext>
+            </a:extLst>
+          </p:cNvPr>
+          <p:cNvSpPr>
+            <a:spLocks noGrp="1"/>
+          </p:cNvSpPr>
+          <p:nvPr>
+            <p:ph idx="1"/>
+          </p:nvPr>
+        </p:nvSpPr>
+        <p:spPr>
+          <a:xfrm>
+            <a:off x="919118" y="2904024"/>
+            <a:ext cx="10415631" cy="1658451"/>
+          </a:xfrm>
+        </p:spPr>
+        <p:txBody>
+          <a:bodyPr>
+            <a:noAutofit/>
+          </a:bodyPr>
+          <a:lstStyle/>
+          <a:p>
+            <a:pPr marL="36900" indent="0" algn="ctr">
+              <a:buNone/>
+            </a:pPr>
             <a:r>
               <a:rPr lang="en-US" sz="4000" dirty="0">
                 <a:effectLst/>
@@ -6417,187 +6301,16 @@
                 <a:ea typeface="Calibri" panose="020F0502020204030204" pitchFamily="34" charset="0"/>
                 <a:cs typeface="Times New Roman" panose="02020603050405020304" pitchFamily="18" charset="0"/>
               </a:rPr>
-              <a:t>Cluster 2: Difficulty voting/low enthusiasm</a:t>
-            </a:r>
-            <a:endParaRPr lang="en-US" dirty="0"/>
-          </a:p>
-        </p:txBody>
-      </p:sp>
-      <p:sp>
-        <p:nvSpPr>
-          <p:cNvPr id="3" name="Content Placeholder 2">
-            <a:extLst>
-              <a:ext uri="{FF2B5EF4-FFF2-40B4-BE49-F238E27FC236}">
-                <a16:creationId xmlns:a16="http://schemas.microsoft.com/office/drawing/2014/main" id="{D30E14DC-4D0D-4E88-A936-B89CF9310123}"/>
-              </a:ext>
-            </a:extLst>
-          </p:cNvPr>
-          <p:cNvSpPr>
-            <a:spLocks noGrp="1"/>
-          </p:cNvSpPr>
-          <p:nvPr>
-            <p:ph idx="1"/>
-          </p:nvPr>
-        </p:nvSpPr>
-        <p:spPr>
-          <a:xfrm>
-            <a:off x="913794" y="1732449"/>
-            <a:ext cx="10687655" cy="4839801"/>
-          </a:xfrm>
-        </p:spPr>
-        <p:txBody>
-          <a:bodyPr>
-            <a:noAutofit/>
-          </a:bodyPr>
-          <a:lstStyle/>
-          <a:p>
-            <a:pPr marL="0" marR="0" lvl="0" indent="0">
-              <a:lnSpc>
-                <a:spcPct val="150000"/>
-              </a:lnSpc>
-              <a:spcBef>
-                <a:spcPts val="0"/>
-              </a:spcBef>
-              <a:spcAft>
-                <a:spcPts val="0"/>
-              </a:spcAft>
-              <a:buNone/>
-            </a:pPr>
-            <a:r>
-              <a:rPr lang="en-US" sz="2800" dirty="0">
-                <a:effectLst/>
-                <a:latin typeface="Garamond" panose="02020404030301010803" pitchFamily="18" charset="0"/>
-                <a:ea typeface="Calibri" panose="020F0502020204030204" pitchFamily="34" charset="0"/>
-                <a:cs typeface="Times New Roman" panose="02020603050405020304" pitchFamily="18" charset="0"/>
-              </a:rPr>
-              <a:t>•	Believing in God -- not at all important  </a:t>
-            </a:r>
-          </a:p>
-          <a:p>
-            <a:pPr marL="0" marR="0" lvl="0" indent="0">
-              <a:lnSpc>
-                <a:spcPct val="150000"/>
-              </a:lnSpc>
-              <a:spcBef>
-                <a:spcPts val="0"/>
-              </a:spcBef>
-              <a:spcAft>
-                <a:spcPts val="0"/>
-              </a:spcAft>
-              <a:buNone/>
-            </a:pPr>
-            <a:r>
-              <a:rPr lang="en-US" sz="2800" dirty="0">
-                <a:effectLst/>
-                <a:latin typeface="Garamond" panose="02020404030301010803" pitchFamily="18" charset="0"/>
-                <a:ea typeface="Calibri" panose="020F0502020204030204" pitchFamily="34" charset="0"/>
-                <a:cs typeface="Times New Roman" panose="02020603050405020304" pitchFamily="18" charset="0"/>
-              </a:rPr>
-              <a:t>•	Displaying the American flag -- not at all important  </a:t>
-            </a:r>
-          </a:p>
-          <a:p>
-            <a:pPr marL="342900" marR="0" lvl="0" indent="-342900">
-              <a:lnSpc>
-                <a:spcPct val="150000"/>
-              </a:lnSpc>
-              <a:spcBef>
-                <a:spcPts val="0"/>
-              </a:spcBef>
-              <a:spcAft>
-                <a:spcPts val="0"/>
-              </a:spcAft>
-              <a:buFont typeface="Symbol" panose="05050102010706020507" pitchFamily="18" charset="2"/>
-              <a:buChar char=""/>
-            </a:pPr>
-            <a:r>
-              <a:rPr lang="en-US" sz="2800" dirty="0">
-                <a:effectLst/>
-                <a:latin typeface="Garamond" panose="02020404030301010803" pitchFamily="18" charset="0"/>
-                <a:ea typeface="Calibri" panose="020F0502020204030204" pitchFamily="34" charset="0"/>
-                <a:cs typeface="Times New Roman" panose="02020603050405020304" pitchFamily="18" charset="0"/>
-              </a:rPr>
-              <a:t>Had to cast a provisional ballot  </a:t>
-            </a:r>
-          </a:p>
-          <a:p>
-            <a:pPr marL="342900" marR="0" lvl="0" indent="-342900">
-              <a:lnSpc>
-                <a:spcPct val="150000"/>
-              </a:lnSpc>
-              <a:spcBef>
-                <a:spcPts val="0"/>
-              </a:spcBef>
-              <a:spcAft>
-                <a:spcPts val="0"/>
-              </a:spcAft>
-              <a:buFont typeface="Symbol" panose="05050102010706020507" pitchFamily="18" charset="2"/>
-              <a:buChar char=""/>
-            </a:pPr>
-            <a:r>
-              <a:rPr lang="en-US" sz="2800" dirty="0">
-                <a:effectLst/>
-                <a:latin typeface="Garamond" panose="02020404030301010803" pitchFamily="18" charset="0"/>
-                <a:ea typeface="Calibri" panose="020F0502020204030204" pitchFamily="34" charset="0"/>
-                <a:cs typeface="Times New Roman" panose="02020603050405020304" pitchFamily="18" charset="0"/>
-              </a:rPr>
-              <a:t>Supporting the military -- not so important  </a:t>
-            </a:r>
-          </a:p>
-          <a:p>
-            <a:pPr marL="342900" marR="0" lvl="0" indent="-342900">
-              <a:lnSpc>
-                <a:spcPct val="150000"/>
-              </a:lnSpc>
-              <a:spcBef>
-                <a:spcPts val="0"/>
-              </a:spcBef>
-              <a:spcAft>
-                <a:spcPts val="0"/>
-              </a:spcAft>
-              <a:buFont typeface="Symbol" panose="05050102010706020507" pitchFamily="18" charset="2"/>
-              <a:buChar char=""/>
-            </a:pPr>
-            <a:r>
-              <a:rPr lang="en-US" sz="2800" dirty="0">
-                <a:effectLst/>
-                <a:latin typeface="Garamond" panose="02020404030301010803" pitchFamily="18" charset="0"/>
-                <a:ea typeface="Calibri" panose="020F0502020204030204" pitchFamily="34" charset="0"/>
-                <a:cs typeface="Times New Roman" panose="02020603050405020304" pitchFamily="18" charset="0"/>
-              </a:rPr>
-              <a:t>Couldn’t get off work to vote when polls were open </a:t>
-            </a:r>
-          </a:p>
-          <a:p>
-            <a:pPr marL="342900" marR="0" lvl="0" indent="-342900">
-              <a:lnSpc>
-                <a:spcPct val="150000"/>
-              </a:lnSpc>
-              <a:spcBef>
-                <a:spcPts val="0"/>
-              </a:spcBef>
-              <a:spcAft>
-                <a:spcPts val="0"/>
-              </a:spcAft>
-              <a:buFont typeface="Symbol" panose="05050102010706020507" pitchFamily="18" charset="2"/>
-              <a:buChar char=""/>
-            </a:pPr>
-            <a:r>
-              <a:rPr lang="en-US" sz="2800" dirty="0">
-                <a:effectLst/>
-                <a:latin typeface="Garamond" panose="02020404030301010803" pitchFamily="18" charset="0"/>
-                <a:ea typeface="Calibri" panose="020F0502020204030204" pitchFamily="34" charset="0"/>
-                <a:cs typeface="Times New Roman" panose="02020603050405020304" pitchFamily="18" charset="0"/>
-              </a:rPr>
-              <a:t>Always vote - 59%, Sporadic - 29%</a:t>
-            </a:r>
+              <a:t>demographic information and difficulty voting</a:t>
+            </a:r>
+            <a:endParaRPr lang="en-US" sz="4000" dirty="0"/>
           </a:p>
         </p:txBody>
       </p:sp>
     </p:spTree>
     <p:extLst>
       <p:ext uri="{BB962C8B-B14F-4D97-AF65-F5344CB8AC3E}">
-        <p14:creationId xmlns:p14="http://schemas.microsoft.com/office/powerpoint/2010/main" val="4145775783"/>
+        <p14:creationId xmlns:p14="http://schemas.microsoft.com/office/powerpoint/2010/main" val="4286457106"/>
       </p:ext>
     </p:extLst>
   </p:cSld>
@@ -6629,7 +6342,7 @@
           <p:cNvPr id="2" name="Title 1">
             <a:extLst>
               <a:ext uri="{FF2B5EF4-FFF2-40B4-BE49-F238E27FC236}">
-                <a16:creationId xmlns:a16="http://schemas.microsoft.com/office/drawing/2014/main" id="{8FBD4B69-C291-4C86-83A4-1D12727FB190}"/>
+                <a16:creationId xmlns:a16="http://schemas.microsoft.com/office/drawing/2014/main" id="{8A10A7D9-700E-46F3-A2E1-F7BD65A11AAD}"/>
               </a:ext>
             </a:extLst>
           </p:cNvPr>
@@ -6648,15 +6361,9 @@
           <a:lstStyle/>
           <a:p>
             <a:r>
-              <a:rPr lang="en-US" sz="4000" dirty="0">
-                <a:effectLst/>
-                <a:latin typeface="Garamond" panose="02020404030301010803" pitchFamily="18" charset="0"/>
-                <a:ea typeface="Calibri" panose="020F0502020204030204" pitchFamily="34" charset="0"/>
-                <a:cs typeface="Times New Roman" panose="02020603050405020304" pitchFamily="18" charset="0"/>
-              </a:rPr>
-              <a:t>Cluster 3: Trust in Institutions </a:t>
-            </a:r>
-            <a:endParaRPr lang="en-US" dirty="0"/>
+              <a:rPr lang="en-US" sz="2400" dirty="0"/>
+              <a:t>Presentation Outline</a:t>
+            </a:r>
           </a:p>
         </p:txBody>
       </p:sp>
@@ -6665,7 +6372,7 @@
           <p:cNvPr id="3" name="Content Placeholder 2">
             <a:extLst>
               <a:ext uri="{FF2B5EF4-FFF2-40B4-BE49-F238E27FC236}">
-                <a16:creationId xmlns:a16="http://schemas.microsoft.com/office/drawing/2014/main" id="{D30E14DC-4D0D-4E88-A936-B89CF9310123}"/>
+                <a16:creationId xmlns:a16="http://schemas.microsoft.com/office/drawing/2014/main" id="{FF6BF8C1-0AA0-485E-B3AB-17B0E4D0379F}"/>
               </a:ext>
             </a:extLst>
           </p:cNvPr>
@@ -6676,181 +6383,101 @@
             <p:ph idx="1"/>
           </p:nvPr>
         </p:nvSpPr>
-        <p:spPr>
-          <a:xfrm>
-            <a:off x="913794" y="1732449"/>
-            <a:ext cx="10687655" cy="4839801"/>
-          </a:xfrm>
-        </p:spPr>
+        <p:spPr/>
         <p:txBody>
           <a:bodyPr>
-            <a:noAutofit/>
+            <a:normAutofit/>
           </a:bodyPr>
           <a:lstStyle/>
           <a:p>
-            <a:pPr marL="0" marR="0" lvl="0" indent="0">
-              <a:lnSpc>
-                <a:spcPct val="150000"/>
-              </a:lnSpc>
-              <a:spcBef>
-                <a:spcPts val="0"/>
-              </a:spcBef>
-              <a:spcAft>
-                <a:spcPts val="0"/>
-              </a:spcAft>
-              <a:buNone/>
+            <a:pPr>
+              <a:buFont typeface="Arial" panose="020B0604020202020204" pitchFamily="34" charset="0"/>
+              <a:buChar char="•"/>
             </a:pPr>
             <a:r>
-              <a:rPr lang="en-US" sz="2800" dirty="0">
-                <a:effectLst/>
-                <a:latin typeface="Garamond" panose="02020404030301010803" pitchFamily="18" charset="0"/>
-                <a:ea typeface="Calibri" panose="020F0502020204030204" pitchFamily="34" charset="0"/>
-                <a:cs typeface="Times New Roman" panose="02020603050405020304" pitchFamily="18" charset="0"/>
+              <a:rPr lang="en-US" sz="4000" dirty="0">
+                <a:solidFill>
+                  <a:schemeClr val="tx2">
+                    <a:lumMod val="50000"/>
+                  </a:schemeClr>
+                </a:solidFill>
               </a:rPr>
-              <a:t>•	Trust the news media -- a lot         </a:t>
-            </a:r>
-          </a:p>
-          <a:p>
-            <a:pPr marL="0" marR="0" lvl="0" indent="0">
-              <a:lnSpc>
-                <a:spcPct val="150000"/>
-              </a:lnSpc>
-              <a:spcBef>
-                <a:spcPts val="0"/>
-              </a:spcBef>
-              <a:spcAft>
-                <a:spcPts val="0"/>
-              </a:spcAft>
-              <a:buNone/>
+              <a:t>Random Forest</a:t>
+            </a:r>
+          </a:p>
+          <a:p>
+            <a:pPr>
+              <a:buFont typeface="Arial" panose="020B0604020202020204" pitchFamily="34" charset="0"/>
+              <a:buChar char="•"/>
             </a:pPr>
             <a:r>
-              <a:rPr lang="en-US" sz="2800" dirty="0">
-                <a:effectLst/>
-                <a:latin typeface="Garamond" panose="02020404030301010803" pitchFamily="18" charset="0"/>
-                <a:ea typeface="Calibri" panose="020F0502020204030204" pitchFamily="34" charset="0"/>
-                <a:cs typeface="Times New Roman" panose="02020603050405020304" pitchFamily="18" charset="0"/>
+              <a:rPr lang="en-US" sz="4000" dirty="0">
+                <a:solidFill>
+                  <a:schemeClr val="tx1"/>
+                </a:solidFill>
               </a:rPr>
-              <a:t>•	The mainstream media is more interested in making money than telling the truth -- strongly disagree        </a:t>
-            </a:r>
-          </a:p>
-          <a:p>
-            <a:pPr marL="0" marR="0" lvl="0" indent="0">
-              <a:lnSpc>
-                <a:spcPct val="150000"/>
-              </a:lnSpc>
-              <a:spcBef>
-                <a:spcPts val="0"/>
-              </a:spcBef>
-              <a:spcAft>
-                <a:spcPts val="0"/>
-              </a:spcAft>
-              <a:buNone/>
+              <a:t>K-means Clustering</a:t>
+            </a:r>
+          </a:p>
+          <a:p>
+            <a:pPr>
+              <a:buFont typeface="Arial" panose="020B0604020202020204" pitchFamily="34" charset="0"/>
+              <a:buChar char="•"/>
             </a:pPr>
             <a:r>
-              <a:rPr lang="en-US" sz="2800" dirty="0">
-                <a:effectLst/>
-                <a:latin typeface="Garamond" panose="02020404030301010803" pitchFamily="18" charset="0"/>
-                <a:ea typeface="Calibri" panose="020F0502020204030204" pitchFamily="34" charset="0"/>
-                <a:cs typeface="Times New Roman" panose="02020603050405020304" pitchFamily="18" charset="0"/>
+              <a:rPr lang="en-US" sz="4000" dirty="0">
+                <a:solidFill>
+                  <a:schemeClr val="tx2">
+                    <a:lumMod val="50000"/>
+                  </a:schemeClr>
+                </a:solidFill>
               </a:rPr>
-              <a:t>•	Electronic votes submitted online or by email safe/secure -- very confident          </a:t>
-            </a:r>
-          </a:p>
-          <a:p>
-            <a:pPr marL="0" marR="0" lvl="0" indent="0">
-              <a:lnSpc>
-                <a:spcPct val="150000"/>
-              </a:lnSpc>
-              <a:spcBef>
-                <a:spcPts val="0"/>
-              </a:spcBef>
-              <a:spcAft>
-                <a:spcPts val="0"/>
-              </a:spcAft>
-              <a:buNone/>
+              <a:t>Other models</a:t>
+            </a:r>
+          </a:p>
+          <a:p>
+            <a:pPr>
+              <a:buFont typeface="Arial" panose="020B0604020202020204" pitchFamily="34" charset="0"/>
+              <a:buChar char="•"/>
             </a:pPr>
             <a:r>
-              <a:rPr lang="en-US" sz="2800" dirty="0">
-                <a:effectLst/>
-                <a:latin typeface="Garamond" panose="02020404030301010803" pitchFamily="18" charset="0"/>
-                <a:ea typeface="Calibri" panose="020F0502020204030204" pitchFamily="34" charset="0"/>
-                <a:cs typeface="Times New Roman" panose="02020603050405020304" pitchFamily="18" charset="0"/>
+              <a:rPr lang="en-US" sz="4000" dirty="0">
+                <a:solidFill>
+                  <a:schemeClr val="tx2">
+                    <a:lumMod val="50000"/>
+                  </a:schemeClr>
+                </a:solidFill>
               </a:rPr>
-              <a:t>•	Trust the intelligence community -- a lot       </a:t>
-            </a:r>
-          </a:p>
-          <a:p>
-            <a:pPr marL="0" marR="0" lvl="0" indent="0">
-              <a:lnSpc>
-                <a:spcPct val="150000"/>
-              </a:lnSpc>
-              <a:spcBef>
-                <a:spcPts val="0"/>
-              </a:spcBef>
-              <a:spcAft>
-                <a:spcPts val="0"/>
-              </a:spcAft>
-              <a:buNone/>
+              <a:t>Recommendations</a:t>
+            </a:r>
+          </a:p>
+          <a:p>
+            <a:pPr>
+              <a:buFont typeface="Arial" panose="020B0604020202020204" pitchFamily="34" charset="0"/>
+              <a:buChar char="•"/>
             </a:pPr>
-            <a:r>
-              <a:rPr lang="en-US" sz="2800" dirty="0">
-                <a:effectLst/>
-                <a:latin typeface="Garamond" panose="02020404030301010803" pitchFamily="18" charset="0"/>
-                <a:ea typeface="Calibri" panose="020F0502020204030204" pitchFamily="34" charset="0"/>
-                <a:cs typeface="Times New Roman" panose="02020603050405020304" pitchFamily="18" charset="0"/>
-              </a:rPr>
-              <a:t>•	Trust Congress -- a lot  </a:t>
-            </a:r>
-          </a:p>
-          <a:p>
-            <a:pPr marL="0" marR="0" lvl="0" indent="0">
-              <a:lnSpc>
-                <a:spcPct val="150000"/>
-              </a:lnSpc>
-              <a:spcBef>
-                <a:spcPts val="0"/>
-              </a:spcBef>
-              <a:spcAft>
-                <a:spcPts val="0"/>
-              </a:spcAft>
-              <a:buNone/>
+            <a:endParaRPr lang="en-US" sz="4000" dirty="0"/>
+          </a:p>
+          <a:p>
+            <a:pPr>
+              <a:buFont typeface="Arial" panose="020B0604020202020204" pitchFamily="34" charset="0"/>
+              <a:buChar char="•"/>
             </a:pPr>
-            <a:r>
-              <a:rPr lang="en-US" sz="2800" dirty="0">
-                <a:effectLst/>
-                <a:latin typeface="Garamond" panose="02020404030301010803" pitchFamily="18" charset="0"/>
-                <a:ea typeface="Calibri" panose="020F0502020204030204" pitchFamily="34" charset="0"/>
-                <a:cs typeface="Times New Roman" panose="02020603050405020304" pitchFamily="18" charset="0"/>
-              </a:rPr>
-              <a:t>•	Always vote - 82%</a:t>
-            </a:r>
-          </a:p>
-          <a:p>
-            <a:pPr marL="0" marR="0" lvl="0" indent="0">
-              <a:lnSpc>
-                <a:spcPct val="150000"/>
-              </a:lnSpc>
-              <a:spcBef>
-                <a:spcPts val="0"/>
-              </a:spcBef>
-              <a:spcAft>
-                <a:spcPts val="0"/>
-              </a:spcAft>
-              <a:buNone/>
+            <a:endParaRPr lang="en-US" sz="4000" dirty="0"/>
+          </a:p>
+          <a:p>
+            <a:pPr>
+              <a:buFont typeface="Arial" panose="020B0604020202020204" pitchFamily="34" charset="0"/>
+              <a:buChar char="•"/>
             </a:pPr>
-            <a:endParaRPr lang="en-US" sz="2800" dirty="0">
-              <a:effectLst/>
-              <a:latin typeface="Garamond" panose="02020404030301010803" pitchFamily="18" charset="0"/>
-              <a:ea typeface="Calibri" panose="020F0502020204030204" pitchFamily="34" charset="0"/>
-              <a:cs typeface="Times New Roman" panose="02020603050405020304" pitchFamily="18" charset="0"/>
-            </a:endParaRPr>
+            <a:endParaRPr lang="en-US" sz="4000" dirty="0"/>
           </a:p>
         </p:txBody>
       </p:sp>
     </p:spTree>
     <p:extLst>
       <p:ext uri="{BB962C8B-B14F-4D97-AF65-F5344CB8AC3E}">
-        <p14:creationId xmlns:p14="http://schemas.microsoft.com/office/powerpoint/2010/main" val="2692259502"/>
+        <p14:creationId xmlns:p14="http://schemas.microsoft.com/office/powerpoint/2010/main" val="933215928"/>
       </p:ext>
     </p:extLst>
   </p:cSld>
@@ -6882,7 +6509,7 @@
           <p:cNvPr id="2" name="Title 1">
             <a:extLst>
               <a:ext uri="{FF2B5EF4-FFF2-40B4-BE49-F238E27FC236}">
-                <a16:creationId xmlns:a16="http://schemas.microsoft.com/office/drawing/2014/main" id="{8FBD4B69-C291-4C86-83A4-1D12727FB190}"/>
+                <a16:creationId xmlns:a16="http://schemas.microsoft.com/office/drawing/2014/main" id="{90706137-9416-47E1-B0FF-16FAA9E1C38C}"/>
               </a:ext>
             </a:extLst>
           </p:cNvPr>
@@ -6895,215 +6522,50 @@
         </p:nvSpPr>
         <p:spPr/>
         <p:txBody>
-          <a:bodyPr>
-            <a:normAutofit/>
-          </a:bodyPr>
-          <a:lstStyle/>
-          <a:p>
-            <a:r>
-              <a:rPr lang="en-US" sz="4000" dirty="0">
-                <a:effectLst/>
-                <a:latin typeface="Garamond" panose="02020404030301010803" pitchFamily="18" charset="0"/>
-                <a:ea typeface="Calibri" panose="020F0502020204030204" pitchFamily="34" charset="0"/>
-                <a:cs typeface="Times New Roman" panose="02020603050405020304" pitchFamily="18" charset="0"/>
-              </a:rPr>
-              <a:t>Cluster 4: Strong Republican/Skeptical of racism </a:t>
-            </a:r>
-            <a:endParaRPr lang="en-US" dirty="0"/>
-          </a:p>
-        </p:txBody>
-      </p:sp>
-      <p:sp>
-        <p:nvSpPr>
-          <p:cNvPr id="3" name="Content Placeholder 2">
+          <a:bodyPr/>
+          <a:lstStyle/>
+          <a:p>
+            <a:r>
+              <a:rPr lang="en-US" dirty="0"/>
+              <a:t>K-means clustering</a:t>
+            </a:r>
+          </a:p>
+        </p:txBody>
+      </p:sp>
+      <p:pic>
+        <p:nvPicPr>
+          <p:cNvPr id="3" name="Picture 2">
             <a:extLst>
               <a:ext uri="{FF2B5EF4-FFF2-40B4-BE49-F238E27FC236}">
-                <a16:creationId xmlns:a16="http://schemas.microsoft.com/office/drawing/2014/main" id="{D30E14DC-4D0D-4E88-A936-B89CF9310123}"/>
+                <a16:creationId xmlns:a16="http://schemas.microsoft.com/office/drawing/2014/main" id="{F14E2B19-EEE6-42BB-BC49-CB883D7CB3A0}"/>
               </a:ext>
             </a:extLst>
           </p:cNvPr>
-          <p:cNvSpPr>
-            <a:spLocks noGrp="1"/>
-          </p:cNvSpPr>
-          <p:nvPr>
-            <p:ph idx="1"/>
-          </p:nvPr>
-        </p:nvSpPr>
+          <p:cNvPicPr>
+            <a:picLocks noChangeAspect="1"/>
+          </p:cNvPicPr>
+          <p:nvPr/>
+        </p:nvPicPr>
+        <p:blipFill>
+          <a:blip r:embed="rId2"/>
+          <a:stretch>
+            <a:fillRect/>
+          </a:stretch>
+        </p:blipFill>
         <p:spPr>
           <a:xfrm>
-            <a:off x="913794" y="1732449"/>
-            <a:ext cx="10687655" cy="4839801"/>
+            <a:off x="2968307" y="1795414"/>
+            <a:ext cx="6255385" cy="4452986"/>
           </a:xfrm>
+          <a:prstGeom prst="rect">
+            <a:avLst/>
+          </a:prstGeom>
         </p:spPr>
-        <p:txBody>
-          <a:bodyPr>
-            <a:noAutofit/>
-          </a:bodyPr>
-          <a:lstStyle/>
-          <a:p>
-            <a:pPr marL="0" marR="0" lvl="0" indent="0">
-              <a:lnSpc>
-                <a:spcPct val="150000"/>
-              </a:lnSpc>
-              <a:spcBef>
-                <a:spcPts val="0"/>
-              </a:spcBef>
-              <a:spcAft>
-                <a:spcPts val="0"/>
-              </a:spcAft>
-              <a:buNone/>
-            </a:pPr>
-            <a:r>
-              <a:rPr lang="en-US" sz="2800" dirty="0">
-                <a:effectLst/>
-                <a:latin typeface="Garamond" panose="02020404030301010803" pitchFamily="18" charset="0"/>
-                <a:ea typeface="Calibri" panose="020F0502020204030204" pitchFamily="34" charset="0"/>
-                <a:cs typeface="Times New Roman" panose="02020603050405020304" pitchFamily="18" charset="0"/>
-              </a:rPr>
-              <a:t>•	Trust the presidency - a lot  </a:t>
-            </a:r>
-          </a:p>
-          <a:p>
-            <a:pPr marL="0" marR="0" lvl="0" indent="0">
-              <a:lnSpc>
-                <a:spcPct val="150000"/>
-              </a:lnSpc>
-              <a:spcBef>
-                <a:spcPts val="0"/>
-              </a:spcBef>
-              <a:spcAft>
-                <a:spcPts val="0"/>
-              </a:spcAft>
-              <a:buNone/>
-            </a:pPr>
-            <a:r>
-              <a:rPr lang="en-US" sz="2800" dirty="0">
-                <a:effectLst/>
-                <a:latin typeface="Garamond" panose="02020404030301010803" pitchFamily="18" charset="0"/>
-                <a:ea typeface="Calibri" panose="020F0502020204030204" pitchFamily="34" charset="0"/>
-                <a:cs typeface="Times New Roman" panose="02020603050405020304" pitchFamily="18" charset="0"/>
-              </a:rPr>
-              <a:t>•	The Democratic Party does not want people like me to vote, and works hard to keep us from being able to vote  </a:t>
-            </a:r>
-          </a:p>
-          <a:p>
-            <a:pPr marL="0" marR="0" lvl="0" indent="0">
-              <a:lnSpc>
-                <a:spcPct val="150000"/>
-              </a:lnSpc>
-              <a:spcBef>
-                <a:spcPts val="0"/>
-              </a:spcBef>
-              <a:spcAft>
-                <a:spcPts val="0"/>
-              </a:spcAft>
-              <a:buNone/>
-            </a:pPr>
-            <a:r>
-              <a:rPr lang="en-US" sz="2800" dirty="0">
-                <a:effectLst/>
-                <a:latin typeface="Garamond" panose="02020404030301010803" pitchFamily="18" charset="0"/>
-                <a:ea typeface="Calibri" panose="020F0502020204030204" pitchFamily="34" charset="0"/>
-                <a:cs typeface="Times New Roman" panose="02020603050405020304" pitchFamily="18" charset="0"/>
-              </a:rPr>
-              <a:t>•	Strong Republican   </a:t>
-            </a:r>
-          </a:p>
-          <a:p>
-            <a:pPr marL="0" marR="0" lvl="0" indent="0">
-              <a:lnSpc>
-                <a:spcPct val="150000"/>
-              </a:lnSpc>
-              <a:spcBef>
-                <a:spcPts val="0"/>
-              </a:spcBef>
-              <a:spcAft>
-                <a:spcPts val="0"/>
-              </a:spcAft>
-              <a:buNone/>
-            </a:pPr>
-            <a:r>
-              <a:rPr lang="en-US" sz="2800" dirty="0">
-                <a:effectLst/>
-                <a:latin typeface="Garamond" panose="02020404030301010803" pitchFamily="18" charset="0"/>
-                <a:ea typeface="Calibri" panose="020F0502020204030204" pitchFamily="34" charset="0"/>
-                <a:cs typeface="Times New Roman" panose="02020603050405020304" pitchFamily="18" charset="0"/>
-              </a:rPr>
-              <a:t>•	Systemic racism in policing is a bigger problem than violence and vandalism in protests - Strongly disagree   </a:t>
-            </a:r>
-          </a:p>
-          <a:p>
-            <a:pPr marL="0" marR="0" lvl="0" indent="0">
-              <a:lnSpc>
-                <a:spcPct val="150000"/>
-              </a:lnSpc>
-              <a:spcBef>
-                <a:spcPts val="0"/>
-              </a:spcBef>
-              <a:spcAft>
-                <a:spcPts val="0"/>
-              </a:spcAft>
-              <a:buNone/>
-            </a:pPr>
-            <a:r>
-              <a:rPr lang="en-US" sz="2800" dirty="0">
-                <a:effectLst/>
-                <a:latin typeface="Garamond" panose="02020404030301010803" pitchFamily="18" charset="0"/>
-                <a:ea typeface="Calibri" panose="020F0502020204030204" pitchFamily="34" charset="0"/>
-                <a:cs typeface="Times New Roman" panose="02020603050405020304" pitchFamily="18" charset="0"/>
-              </a:rPr>
-              <a:t>•	Systemic racism is a problem in the United States - Strongly disagree  </a:t>
-            </a:r>
-          </a:p>
-          <a:p>
-            <a:pPr marL="0" marR="0" lvl="0" indent="0">
-              <a:lnSpc>
-                <a:spcPct val="150000"/>
-              </a:lnSpc>
-              <a:spcBef>
-                <a:spcPts val="0"/>
-              </a:spcBef>
-              <a:spcAft>
-                <a:spcPts val="0"/>
-              </a:spcAft>
-              <a:buNone/>
-            </a:pPr>
-            <a:r>
-              <a:rPr lang="en-US" sz="2800" dirty="0">
-                <a:effectLst/>
-                <a:latin typeface="Garamond" panose="02020404030301010803" pitchFamily="18" charset="0"/>
-                <a:ea typeface="Calibri" panose="020F0502020204030204" pitchFamily="34" charset="0"/>
-                <a:cs typeface="Times New Roman" panose="02020603050405020304" pitchFamily="18" charset="0"/>
-              </a:rPr>
-              <a:t>•	Always vote - 77%</a:t>
-            </a:r>
-          </a:p>
-          <a:p>
-            <a:pPr marL="0" marR="0" lvl="0" indent="0">
-              <a:lnSpc>
-                <a:spcPct val="150000"/>
-              </a:lnSpc>
-              <a:spcBef>
-                <a:spcPts val="0"/>
-              </a:spcBef>
-              <a:spcAft>
-                <a:spcPts val="0"/>
-              </a:spcAft>
-              <a:buNone/>
-            </a:pPr>
-            <a:endParaRPr lang="en-US" sz="2800" dirty="0">
-              <a:effectLst/>
-              <a:latin typeface="Garamond" panose="02020404030301010803" pitchFamily="18" charset="0"/>
-              <a:ea typeface="Calibri" panose="020F0502020204030204" pitchFamily="34" charset="0"/>
-              <a:cs typeface="Times New Roman" panose="02020603050405020304" pitchFamily="18" charset="0"/>
-            </a:endParaRPr>
-          </a:p>
-        </p:txBody>
-      </p:sp>
+      </p:pic>
     </p:spTree>
     <p:extLst>
       <p:ext uri="{BB962C8B-B14F-4D97-AF65-F5344CB8AC3E}">
-        <p14:creationId xmlns:p14="http://schemas.microsoft.com/office/powerpoint/2010/main" val="2360039182"/>
+        <p14:creationId xmlns:p14="http://schemas.microsoft.com/office/powerpoint/2010/main" val="3619684221"/>
       </p:ext>
     </p:extLst>
   </p:cSld>
@@ -7149,7 +6611,7 @@
         <p:spPr/>
         <p:txBody>
           <a:bodyPr>
-            <a:normAutofit/>
+            <a:normAutofit fontScale="90000"/>
           </a:bodyPr>
           <a:lstStyle/>
           <a:p>
@@ -7160,8 +6622,16 @@
                 <a:ea typeface="Calibri" panose="020F0502020204030204" pitchFamily="34" charset="0"/>
                 <a:cs typeface="Times New Roman" panose="02020603050405020304" pitchFamily="18" charset="0"/>
               </a:rPr>
-              <a:t>Cluster 5: Weak Republican </a:t>
-            </a:r>
+              <a:t>Cluster 1: Nonvoters (849)    </a:t>
+            </a:r>
+            <a:br>
+              <a:rPr lang="en-US" sz="4000" dirty="0">
+                <a:effectLst/>
+                <a:latin typeface="Calibri" panose="020F0502020204030204" pitchFamily="34" charset="0"/>
+                <a:ea typeface="Calibri" panose="020F0502020204030204" pitchFamily="34" charset="0"/>
+                <a:cs typeface="Times New Roman" panose="02020603050405020304" pitchFamily="18" charset="0"/>
+              </a:rPr>
+            </a:br>
             <a:endParaRPr lang="en-US" dirty="0"/>
           </a:p>
         </p:txBody>
@@ -7194,7 +6664,7 @@
           </a:bodyPr>
           <a:lstStyle/>
           <a:p>
-            <a:pPr marL="0" marR="0" lvl="0" indent="0">
+            <a:pPr marL="342900" marR="0" lvl="0" indent="-342900">
               <a:lnSpc>
                 <a:spcPct val="150000"/>
               </a:lnSpc>
@@ -7204,7 +6674,8 @@
               <a:spcAft>
                 <a:spcPts val="0"/>
               </a:spcAft>
-              <a:buNone/>
+              <a:buFont typeface="Symbol" panose="05050102010706020507" pitchFamily="18" charset="2"/>
+              <a:buChar char=""/>
             </a:pPr>
             <a:r>
               <a:rPr lang="en-US" sz="2800" dirty="0">
@@ -7213,11 +6684,17 @@
                 <a:ea typeface="Calibri" panose="020F0502020204030204" pitchFamily="34" charset="0"/>
                 <a:cs typeface="Times New Roman" panose="02020603050405020304" pitchFamily="18" charset="0"/>
               </a:rPr>
-              <a:t>•	Systemic racism is a problem in the United States - Somewhat agree   </a:t>
-            </a:r>
-          </a:p>
-          <a:p>
-            <a:pPr marL="0" marR="0" lvl="0" indent="0">
+              <a:t>Voting in elections -- not at all important  </a:t>
+            </a:r>
+            <a:endParaRPr lang="en-US" sz="2800" dirty="0">
+              <a:effectLst/>
+              <a:latin typeface="Calibri" panose="020F0502020204030204" pitchFamily="34" charset="0"/>
+              <a:ea typeface="Calibri" panose="020F0502020204030204" pitchFamily="34" charset="0"/>
+              <a:cs typeface="Times New Roman" panose="02020603050405020304" pitchFamily="18" charset="0"/>
+            </a:endParaRPr>
+          </a:p>
+          <a:p>
+            <a:pPr marL="342900" marR="0" lvl="0" indent="-342900">
               <a:lnSpc>
                 <a:spcPct val="150000"/>
               </a:lnSpc>
@@ -7227,7 +6704,8 @@
               <a:spcAft>
                 <a:spcPts val="0"/>
               </a:spcAft>
-              <a:buNone/>
+              <a:buFont typeface="Symbol" panose="05050102010706020507" pitchFamily="18" charset="2"/>
+              <a:buChar char=""/>
             </a:pPr>
             <a:r>
               <a:rPr lang="en-US" sz="2800" dirty="0">
@@ -7236,11 +6714,17 @@
                 <a:ea typeface="Calibri" panose="020F0502020204030204" pitchFamily="34" charset="0"/>
                 <a:cs typeface="Times New Roman" panose="02020603050405020304" pitchFamily="18" charset="0"/>
               </a:rPr>
-              <a:t>•	Systemic racism in policing is a bigger problem than violence and vandalism in protests - Somewhat disagree    </a:t>
-            </a:r>
-          </a:p>
-          <a:p>
-            <a:pPr marL="0" marR="0" lvl="0" indent="0">
+              <a:t>I don’t believe in voting  </a:t>
+            </a:r>
+            <a:endParaRPr lang="en-US" sz="2800" dirty="0">
+              <a:effectLst/>
+              <a:latin typeface="Calibri" panose="020F0502020204030204" pitchFamily="34" charset="0"/>
+              <a:ea typeface="Calibri" panose="020F0502020204030204" pitchFamily="34" charset="0"/>
+              <a:cs typeface="Times New Roman" panose="02020603050405020304" pitchFamily="18" charset="0"/>
+            </a:endParaRPr>
+          </a:p>
+          <a:p>
+            <a:pPr marL="342900" marR="0" lvl="0" indent="-342900">
               <a:lnSpc>
                 <a:spcPct val="150000"/>
               </a:lnSpc>
@@ -7250,7 +6734,8 @@
               <a:spcAft>
                 <a:spcPts val="0"/>
               </a:spcAft>
-              <a:buNone/>
+              <a:buFont typeface="Symbol" panose="05050102010706020507" pitchFamily="18" charset="2"/>
+              <a:buChar char=""/>
             </a:pPr>
             <a:r>
               <a:rPr lang="en-US" sz="2800" dirty="0">
@@ -7259,11 +6744,17 @@
                 <a:ea typeface="Calibri" panose="020F0502020204030204" pitchFamily="34" charset="0"/>
                 <a:cs typeface="Times New Roman" panose="02020603050405020304" pitchFamily="18" charset="0"/>
               </a:rPr>
-              <a:t>•	Following the 2020 presidential race -- somewhat closely  </a:t>
-            </a:r>
-          </a:p>
-          <a:p>
-            <a:pPr marL="0" marR="0" lvl="0" indent="0">
+              <a:t>Following what happens in government and politics -- not at all important  </a:t>
+            </a:r>
+            <a:endParaRPr lang="en-US" sz="2800" dirty="0">
+              <a:effectLst/>
+              <a:latin typeface="Calibri" panose="020F0502020204030204" pitchFamily="34" charset="0"/>
+              <a:ea typeface="Calibri" panose="020F0502020204030204" pitchFamily="34" charset="0"/>
+              <a:cs typeface="Times New Roman" panose="02020603050405020304" pitchFamily="18" charset="0"/>
+            </a:endParaRPr>
+          </a:p>
+          <a:p>
+            <a:pPr marL="342900" marR="0" lvl="0" indent="-342900">
               <a:lnSpc>
                 <a:spcPct val="150000"/>
               </a:lnSpc>
@@ -7273,7 +6764,8 @@
               <a:spcAft>
                 <a:spcPts val="0"/>
               </a:spcAft>
-              <a:buNone/>
+              <a:buFont typeface="Symbol" panose="05050102010706020507" pitchFamily="18" charset="2"/>
+              <a:buChar char=""/>
             </a:pPr>
             <a:r>
               <a:rPr lang="en-US" sz="2800" dirty="0">
@@ -7282,11 +6774,17 @@
                 <a:ea typeface="Calibri" panose="020F0502020204030204" pitchFamily="34" charset="0"/>
                 <a:cs typeface="Times New Roman" panose="02020603050405020304" pitchFamily="18" charset="0"/>
               </a:rPr>
-              <a:t>•	The Republican Party wants people like me to vote but does not work hard to earn our votes  </a:t>
-            </a:r>
-          </a:p>
-          <a:p>
-            <a:pPr marL="0" marR="0" lvl="0" indent="0">
+              <a:t>I don’t trust the political system to serve my needs  </a:t>
+            </a:r>
+            <a:endParaRPr lang="en-US" sz="2800" dirty="0">
+              <a:effectLst/>
+              <a:latin typeface="Calibri" panose="020F0502020204030204" pitchFamily="34" charset="0"/>
+              <a:ea typeface="Calibri" panose="020F0502020204030204" pitchFamily="34" charset="0"/>
+              <a:cs typeface="Times New Roman" panose="02020603050405020304" pitchFamily="18" charset="0"/>
+            </a:endParaRPr>
+          </a:p>
+          <a:p>
+            <a:pPr marL="342900" marR="0" lvl="0" indent="-342900">
               <a:lnSpc>
                 <a:spcPct val="150000"/>
               </a:lnSpc>
@@ -7294,9 +6792,10 @@
                 <a:spcPts val="0"/>
               </a:spcBef>
               <a:spcAft>
-                <a:spcPts val="0"/>
+                <a:spcPts val="800"/>
               </a:spcAft>
-              <a:buNone/>
+              <a:buFont typeface="Symbol" panose="05050102010706020507" pitchFamily="18" charset="2"/>
+              <a:buChar char=""/>
             </a:pPr>
             <a:r>
               <a:rPr lang="en-US" sz="2800" dirty="0">
@@ -7305,11 +6804,17 @@
                 <a:ea typeface="Calibri" panose="020F0502020204030204" pitchFamily="34" charset="0"/>
                 <a:cs typeface="Times New Roman" panose="02020603050405020304" pitchFamily="18" charset="0"/>
               </a:rPr>
-              <a:t>•	Not very strong Republican  </a:t>
-            </a:r>
-          </a:p>
-          <a:p>
-            <a:pPr marL="0" marR="0" lvl="0" indent="0">
+              <a:t>Do not plan to vote in November 2020 election  </a:t>
+            </a:r>
+            <a:endParaRPr lang="en-US" sz="2800" dirty="0">
+              <a:effectLst/>
+              <a:latin typeface="Calibri" panose="020F0502020204030204" pitchFamily="34" charset="0"/>
+              <a:ea typeface="Calibri" panose="020F0502020204030204" pitchFamily="34" charset="0"/>
+              <a:cs typeface="Times New Roman" panose="02020603050405020304" pitchFamily="18" charset="0"/>
+            </a:endParaRPr>
+          </a:p>
+          <a:p>
+            <a:pPr marL="342900" marR="0" lvl="0" indent="-342900">
               <a:lnSpc>
                 <a:spcPct val="150000"/>
               </a:lnSpc>
@@ -7317,9 +6822,10 @@
                 <a:spcPts val="0"/>
               </a:spcBef>
               <a:spcAft>
-                <a:spcPts val="0"/>
+                <a:spcPts val="800"/>
               </a:spcAft>
-              <a:buNone/>
+              <a:buFont typeface="Symbol" panose="05050102010706020507" pitchFamily="18" charset="2"/>
+              <a:buChar char=""/>
             </a:pPr>
             <a:r>
               <a:rPr lang="en-US" sz="2800" dirty="0">
@@ -7328,15 +6834,16 @@
                 <a:ea typeface="Calibri" panose="020F0502020204030204" pitchFamily="34" charset="0"/>
                 <a:cs typeface="Times New Roman" panose="02020603050405020304" pitchFamily="18" charset="0"/>
               </a:rPr>
-              <a:t>•	Always vote - 51%, Sporadic - 29% </a:t>
-            </a:r>
+              <a:t>Never vote - 72%</a:t>
+            </a:r>
+            <a:endParaRPr lang="en-US" sz="2800" dirty="0"/>
           </a:p>
         </p:txBody>
       </p:sp>
     </p:spTree>
     <p:extLst>
       <p:ext uri="{BB962C8B-B14F-4D97-AF65-F5344CB8AC3E}">
-        <p14:creationId xmlns:p14="http://schemas.microsoft.com/office/powerpoint/2010/main" val="1769676277"/>
+        <p14:creationId xmlns:p14="http://schemas.microsoft.com/office/powerpoint/2010/main" val="2236577928"/>
       </p:ext>
     </p:extLst>
   </p:cSld>
@@ -7368,7 +6875,7 @@
           <p:cNvPr id="2" name="Title 1">
             <a:extLst>
               <a:ext uri="{FF2B5EF4-FFF2-40B4-BE49-F238E27FC236}">
-                <a16:creationId xmlns:a16="http://schemas.microsoft.com/office/drawing/2014/main" id="{2F22A8AE-CB9C-4CB3-B587-94065601C99E}"/>
+                <a16:creationId xmlns:a16="http://schemas.microsoft.com/office/drawing/2014/main" id="{8FBD4B69-C291-4C86-83A4-1D12727FB190}"/>
               </a:ext>
             </a:extLst>
           </p:cNvPr>
@@ -7381,13 +6888,21 @@
         </p:nvSpPr>
         <p:spPr/>
         <p:txBody>
-          <a:bodyPr/>
-          <a:lstStyle/>
-          <a:p>
-            <a:r>
-              <a:rPr lang="en-US" dirty="0"/>
-              <a:t>Other models/approaches</a:t>
-            </a:r>
+          <a:bodyPr>
+            <a:normAutofit/>
+          </a:bodyPr>
+          <a:lstStyle/>
+          <a:p>
+            <a:r>
+              <a:rPr lang="en-US" sz="4000" dirty="0">
+                <a:effectLst/>
+                <a:latin typeface="Garamond" panose="02020404030301010803" pitchFamily="18" charset="0"/>
+                <a:ea typeface="Calibri" panose="020F0502020204030204" pitchFamily="34" charset="0"/>
+                <a:cs typeface="Times New Roman" panose="02020603050405020304" pitchFamily="18" charset="0"/>
+              </a:rPr>
+              <a:t>Cluster 2: Difficulty voting/low enthusiasm (1080)</a:t>
+            </a:r>
+            <a:endParaRPr lang="en-US" dirty="0"/>
           </a:p>
         </p:txBody>
       </p:sp>
@@ -7396,7 +6911,7 @@
           <p:cNvPr id="3" name="Content Placeholder 2">
             <a:extLst>
               <a:ext uri="{FF2B5EF4-FFF2-40B4-BE49-F238E27FC236}">
-                <a16:creationId xmlns:a16="http://schemas.microsoft.com/office/drawing/2014/main" id="{8E0154C7-A390-44C1-9837-EDA00078CD28}"/>
+                <a16:creationId xmlns:a16="http://schemas.microsoft.com/office/drawing/2014/main" id="{D30E14DC-4D0D-4E88-A936-B89CF9310123}"/>
               </a:ext>
             </a:extLst>
           </p:cNvPr>
@@ -7407,41 +6922,165 @@
             <p:ph idx="1"/>
           </p:nvPr>
         </p:nvSpPr>
-        <p:spPr/>
+        <p:spPr>
+          <a:xfrm>
+            <a:off x="913794" y="1732449"/>
+            <a:ext cx="10687655" cy="4839801"/>
+          </a:xfrm>
+        </p:spPr>
         <p:txBody>
           <a:bodyPr>
-            <a:normAutofit/>
+            <a:noAutofit/>
           </a:bodyPr>
           <a:lstStyle/>
           <a:p>
-            <a:r>
-              <a:rPr lang="en-US" sz="4000" dirty="0"/>
-              <a:t>Principal component analysis </a:t>
-            </a:r>
-            <a:r>
-              <a:rPr lang="en-US" sz="4000" dirty="0">
-                <a:sym typeface="Wingdings" panose="05000000000000000000" pitchFamily="2" charset="2"/>
+            <a:pPr marL="0" marR="0" lvl="0" indent="0">
+              <a:lnSpc>
+                <a:spcPct val="150000"/>
+              </a:lnSpc>
+              <a:spcBef>
+                <a:spcPts val="0"/>
+              </a:spcBef>
+              <a:spcAft>
+                <a:spcPts val="0"/>
+              </a:spcAft>
+              <a:buNone/>
+            </a:pPr>
+            <a:r>
+              <a:rPr lang="en-US" sz="2800" dirty="0">
+                <a:effectLst/>
+                <a:latin typeface="Garamond" panose="02020404030301010803" pitchFamily="18" charset="0"/>
+                <a:ea typeface="Calibri" panose="020F0502020204030204" pitchFamily="34" charset="0"/>
+                <a:cs typeface="Times New Roman" panose="02020603050405020304" pitchFamily="18" charset="0"/>
               </a:rPr>
-              <a:t> Clustering</a:t>
-            </a:r>
-          </a:p>
-          <a:p>
-            <a:r>
-              <a:rPr lang="en-US" sz="4000" dirty="0">
-                <a:sym typeface="Wingdings" panose="05000000000000000000" pitchFamily="2" charset="2"/>
+              <a:t>•	Believing in God -- not at all important  </a:t>
+            </a:r>
+          </a:p>
+          <a:p>
+            <a:pPr marL="0" marR="0" lvl="0" indent="0">
+              <a:lnSpc>
+                <a:spcPct val="150000"/>
+              </a:lnSpc>
+              <a:spcBef>
+                <a:spcPts val="0"/>
+              </a:spcBef>
+              <a:spcAft>
+                <a:spcPts val="0"/>
+              </a:spcAft>
+              <a:buNone/>
+            </a:pPr>
+            <a:r>
+              <a:rPr lang="en-US" sz="2800" dirty="0">
+                <a:effectLst/>
+                <a:latin typeface="Garamond" panose="02020404030301010803" pitchFamily="18" charset="0"/>
+                <a:ea typeface="Calibri" panose="020F0502020204030204" pitchFamily="34" charset="0"/>
+                <a:cs typeface="Times New Roman" panose="02020603050405020304" pitchFamily="18" charset="0"/>
               </a:rPr>
-              <a:t>Logistic Regression with all features  better recall with  loss of precision</a:t>
-            </a:r>
-          </a:p>
-          <a:p>
-            <a:endParaRPr lang="en-US" sz="4000" dirty="0"/>
+              <a:t>•	Displaying the American flag -- not at all important  </a:t>
+            </a:r>
+          </a:p>
+          <a:p>
+            <a:pPr marL="342900" marR="0" lvl="0" indent="-342900">
+              <a:lnSpc>
+                <a:spcPct val="150000"/>
+              </a:lnSpc>
+              <a:spcBef>
+                <a:spcPts val="0"/>
+              </a:spcBef>
+              <a:spcAft>
+                <a:spcPts val="0"/>
+              </a:spcAft>
+              <a:buFont typeface="Symbol" panose="05050102010706020507" pitchFamily="18" charset="2"/>
+              <a:buChar char=""/>
+            </a:pPr>
+            <a:r>
+              <a:rPr lang="en-US" sz="2800" dirty="0">
+                <a:effectLst/>
+                <a:latin typeface="Garamond" panose="02020404030301010803" pitchFamily="18" charset="0"/>
+                <a:ea typeface="Calibri" panose="020F0502020204030204" pitchFamily="34" charset="0"/>
+                <a:cs typeface="Times New Roman" panose="02020603050405020304" pitchFamily="18" charset="0"/>
+              </a:rPr>
+              <a:t>Had to cast a provisional ballot  </a:t>
+            </a:r>
+          </a:p>
+          <a:p>
+            <a:pPr marL="342900" marR="0" lvl="0" indent="-342900">
+              <a:lnSpc>
+                <a:spcPct val="150000"/>
+              </a:lnSpc>
+              <a:spcBef>
+                <a:spcPts val="0"/>
+              </a:spcBef>
+              <a:spcAft>
+                <a:spcPts val="0"/>
+              </a:spcAft>
+              <a:buFont typeface="Symbol" panose="05050102010706020507" pitchFamily="18" charset="2"/>
+              <a:buChar char=""/>
+            </a:pPr>
+            <a:r>
+              <a:rPr lang="en-US" sz="2800" dirty="0">
+                <a:effectLst/>
+                <a:latin typeface="Garamond" panose="02020404030301010803" pitchFamily="18" charset="0"/>
+                <a:ea typeface="Calibri" panose="020F0502020204030204" pitchFamily="34" charset="0"/>
+                <a:cs typeface="Times New Roman" panose="02020603050405020304" pitchFamily="18" charset="0"/>
+              </a:rPr>
+              <a:t>Supporting the military -- not so important  </a:t>
+            </a:r>
+          </a:p>
+          <a:p>
+            <a:pPr marL="342900" marR="0" lvl="0" indent="-342900">
+              <a:lnSpc>
+                <a:spcPct val="150000"/>
+              </a:lnSpc>
+              <a:spcBef>
+                <a:spcPts val="0"/>
+              </a:spcBef>
+              <a:spcAft>
+                <a:spcPts val="0"/>
+              </a:spcAft>
+              <a:buFont typeface="Symbol" panose="05050102010706020507" pitchFamily="18" charset="2"/>
+              <a:buChar char=""/>
+            </a:pPr>
+            <a:r>
+              <a:rPr lang="en-US" sz="2800" dirty="0">
+                <a:effectLst/>
+                <a:latin typeface="Garamond" panose="02020404030301010803" pitchFamily="18" charset="0"/>
+                <a:ea typeface="Calibri" panose="020F0502020204030204" pitchFamily="34" charset="0"/>
+                <a:cs typeface="Times New Roman" panose="02020603050405020304" pitchFamily="18" charset="0"/>
+              </a:rPr>
+              <a:t>Couldn’t get off work to vote when polls were open </a:t>
+            </a:r>
+          </a:p>
+          <a:p>
+            <a:pPr marL="342900" marR="0" lvl="0" indent="-342900">
+              <a:lnSpc>
+                <a:spcPct val="150000"/>
+              </a:lnSpc>
+              <a:spcBef>
+                <a:spcPts val="0"/>
+              </a:spcBef>
+              <a:spcAft>
+                <a:spcPts val="0"/>
+              </a:spcAft>
+              <a:buFont typeface="Symbol" panose="05050102010706020507" pitchFamily="18" charset="2"/>
+              <a:buChar char=""/>
+            </a:pPr>
+            <a:r>
+              <a:rPr lang="en-US" sz="2800" dirty="0">
+                <a:effectLst/>
+                <a:latin typeface="Garamond" panose="02020404030301010803" pitchFamily="18" charset="0"/>
+                <a:ea typeface="Calibri" panose="020F0502020204030204" pitchFamily="34" charset="0"/>
+                <a:cs typeface="Times New Roman" panose="02020603050405020304" pitchFamily="18" charset="0"/>
+              </a:rPr>
+              <a:t>Always vote - 59%, Sporadic - 29%</a:t>
+            </a:r>
           </a:p>
         </p:txBody>
       </p:sp>
     </p:spTree>
     <p:extLst>
       <p:ext uri="{BB962C8B-B14F-4D97-AF65-F5344CB8AC3E}">
-        <p14:creationId xmlns:p14="http://schemas.microsoft.com/office/powerpoint/2010/main" val="2672419271"/>
+        <p14:creationId xmlns:p14="http://schemas.microsoft.com/office/powerpoint/2010/main" val="4145775783"/>
       </p:ext>
     </p:extLst>
   </p:cSld>
@@ -7473,7 +7112,7 @@
           <p:cNvPr id="2" name="Title 1">
             <a:extLst>
               <a:ext uri="{FF2B5EF4-FFF2-40B4-BE49-F238E27FC236}">
-                <a16:creationId xmlns:a16="http://schemas.microsoft.com/office/drawing/2014/main" id="{C811F779-2DEC-4CB2-9DF1-32E4208602C7}"/>
+                <a16:creationId xmlns:a16="http://schemas.microsoft.com/office/drawing/2014/main" id="{8FBD4B69-C291-4C86-83A4-1D12727FB190}"/>
               </a:ext>
             </a:extLst>
           </p:cNvPr>
@@ -7486,13 +7125,21 @@
         </p:nvSpPr>
         <p:spPr/>
         <p:txBody>
-          <a:bodyPr/>
-          <a:lstStyle/>
-          <a:p>
-            <a:r>
-              <a:rPr lang="en-US" dirty="0"/>
-              <a:t>Recommendations</a:t>
-            </a:r>
+          <a:bodyPr>
+            <a:normAutofit/>
+          </a:bodyPr>
+          <a:lstStyle/>
+          <a:p>
+            <a:r>
+              <a:rPr lang="en-US" sz="4000" dirty="0">
+                <a:effectLst/>
+                <a:latin typeface="Garamond" panose="02020404030301010803" pitchFamily="18" charset="0"/>
+                <a:ea typeface="Calibri" panose="020F0502020204030204" pitchFamily="34" charset="0"/>
+                <a:cs typeface="Times New Roman" panose="02020603050405020304" pitchFamily="18" charset="0"/>
+              </a:rPr>
+              <a:t>Cluster 3: Trust in Institutions (1223) </a:t>
+            </a:r>
+            <a:endParaRPr lang="en-US" dirty="0"/>
           </a:p>
         </p:txBody>
       </p:sp>
@@ -7501,7 +7148,7 @@
           <p:cNvPr id="3" name="Content Placeholder 2">
             <a:extLst>
               <a:ext uri="{FF2B5EF4-FFF2-40B4-BE49-F238E27FC236}">
-                <a16:creationId xmlns:a16="http://schemas.microsoft.com/office/drawing/2014/main" id="{E348DF76-B6B9-4AE2-99C6-1CAE5013DC5D}"/>
+                <a16:creationId xmlns:a16="http://schemas.microsoft.com/office/drawing/2014/main" id="{D30E14DC-4D0D-4E88-A936-B89CF9310123}"/>
               </a:ext>
             </a:extLst>
           </p:cNvPr>
@@ -7512,36 +7159,181 @@
             <p:ph idx="1"/>
           </p:nvPr>
         </p:nvSpPr>
-        <p:spPr/>
+        <p:spPr>
+          <a:xfrm>
+            <a:off x="913794" y="1732449"/>
+            <a:ext cx="10687655" cy="4839801"/>
+          </a:xfrm>
+        </p:spPr>
         <p:txBody>
           <a:bodyPr>
-            <a:normAutofit/>
+            <a:noAutofit/>
           </a:bodyPr>
           <a:lstStyle/>
           <a:p>
-            <a:pPr marL="36900" indent="0">
+            <a:pPr marL="0" marR="0" lvl="0" indent="0">
+              <a:lnSpc>
+                <a:spcPct val="150000"/>
+              </a:lnSpc>
+              <a:spcBef>
+                <a:spcPts val="0"/>
+              </a:spcBef>
+              <a:spcAft>
+                <a:spcPts val="0"/>
+              </a:spcAft>
               <a:buNone/>
             </a:pPr>
             <a:r>
-              <a:rPr lang="en-US" sz="4000" dirty="0"/>
-              <a:t>#1   Use Random Forest model to identify nonvoters with good recall and precision.</a:t>
-            </a:r>
-          </a:p>
-          <a:p>
-            <a:pPr marL="36900" indent="0">
+              <a:rPr lang="en-US" sz="2800" dirty="0">
+                <a:effectLst/>
+                <a:latin typeface="Garamond" panose="02020404030301010803" pitchFamily="18" charset="0"/>
+                <a:ea typeface="Calibri" panose="020F0502020204030204" pitchFamily="34" charset="0"/>
+                <a:cs typeface="Times New Roman" panose="02020603050405020304" pitchFamily="18" charset="0"/>
+              </a:rPr>
+              <a:t>•	Trust the news media -- a lot         </a:t>
+            </a:r>
+          </a:p>
+          <a:p>
+            <a:pPr marL="0" marR="0" lvl="0" indent="0">
+              <a:lnSpc>
+                <a:spcPct val="150000"/>
+              </a:lnSpc>
+              <a:spcBef>
+                <a:spcPts val="0"/>
+              </a:spcBef>
+              <a:spcAft>
+                <a:spcPts val="0"/>
+              </a:spcAft>
               <a:buNone/>
             </a:pPr>
             <a:r>
-              <a:rPr lang="en-US" sz="4000" dirty="0"/>
-              <a:t>Use Logistic model to identify more nonvoters but with marked loss of precision (more false positives).</a:t>
-            </a:r>
+              <a:rPr lang="en-US" sz="2800" dirty="0">
+                <a:effectLst/>
+                <a:latin typeface="Garamond" panose="02020404030301010803" pitchFamily="18" charset="0"/>
+                <a:ea typeface="Calibri" panose="020F0502020204030204" pitchFamily="34" charset="0"/>
+                <a:cs typeface="Times New Roman" panose="02020603050405020304" pitchFamily="18" charset="0"/>
+              </a:rPr>
+              <a:t>•	The mainstream media is more interested in making money than telling the truth -- strongly disagree        </a:t>
+            </a:r>
+          </a:p>
+          <a:p>
+            <a:pPr marL="0" marR="0" lvl="0" indent="0">
+              <a:lnSpc>
+                <a:spcPct val="150000"/>
+              </a:lnSpc>
+              <a:spcBef>
+                <a:spcPts val="0"/>
+              </a:spcBef>
+              <a:spcAft>
+                <a:spcPts val="0"/>
+              </a:spcAft>
+              <a:buNone/>
+            </a:pPr>
+            <a:r>
+              <a:rPr lang="en-US" sz="2800" dirty="0">
+                <a:effectLst/>
+                <a:latin typeface="Garamond" panose="02020404030301010803" pitchFamily="18" charset="0"/>
+                <a:ea typeface="Calibri" panose="020F0502020204030204" pitchFamily="34" charset="0"/>
+                <a:cs typeface="Times New Roman" panose="02020603050405020304" pitchFamily="18" charset="0"/>
+              </a:rPr>
+              <a:t>•	Electronic votes submitted online or by email safe/secure -- very confident          </a:t>
+            </a:r>
+          </a:p>
+          <a:p>
+            <a:pPr marL="0" marR="0" lvl="0" indent="0">
+              <a:lnSpc>
+                <a:spcPct val="150000"/>
+              </a:lnSpc>
+              <a:spcBef>
+                <a:spcPts val="0"/>
+              </a:spcBef>
+              <a:spcAft>
+                <a:spcPts val="0"/>
+              </a:spcAft>
+              <a:buNone/>
+            </a:pPr>
+            <a:r>
+              <a:rPr lang="en-US" sz="2800" dirty="0">
+                <a:effectLst/>
+                <a:latin typeface="Garamond" panose="02020404030301010803" pitchFamily="18" charset="0"/>
+                <a:ea typeface="Calibri" panose="020F0502020204030204" pitchFamily="34" charset="0"/>
+                <a:cs typeface="Times New Roman" panose="02020603050405020304" pitchFamily="18" charset="0"/>
+              </a:rPr>
+              <a:t>•	Trust the intelligence community -- a lot       </a:t>
+            </a:r>
+          </a:p>
+          <a:p>
+            <a:pPr marL="0" marR="0" lvl="0" indent="0">
+              <a:lnSpc>
+                <a:spcPct val="150000"/>
+              </a:lnSpc>
+              <a:spcBef>
+                <a:spcPts val="0"/>
+              </a:spcBef>
+              <a:spcAft>
+                <a:spcPts val="0"/>
+              </a:spcAft>
+              <a:buNone/>
+            </a:pPr>
+            <a:r>
+              <a:rPr lang="en-US" sz="2800" dirty="0">
+                <a:effectLst/>
+                <a:latin typeface="Garamond" panose="02020404030301010803" pitchFamily="18" charset="0"/>
+                <a:ea typeface="Calibri" panose="020F0502020204030204" pitchFamily="34" charset="0"/>
+                <a:cs typeface="Times New Roman" panose="02020603050405020304" pitchFamily="18" charset="0"/>
+              </a:rPr>
+              <a:t>•	Trust Congress -- a lot  </a:t>
+            </a:r>
+          </a:p>
+          <a:p>
+            <a:pPr marL="0" marR="0" lvl="0" indent="0">
+              <a:lnSpc>
+                <a:spcPct val="150000"/>
+              </a:lnSpc>
+              <a:spcBef>
+                <a:spcPts val="0"/>
+              </a:spcBef>
+              <a:spcAft>
+                <a:spcPts val="0"/>
+              </a:spcAft>
+              <a:buNone/>
+            </a:pPr>
+            <a:r>
+              <a:rPr lang="en-US" sz="2800" dirty="0">
+                <a:effectLst/>
+                <a:latin typeface="Garamond" panose="02020404030301010803" pitchFamily="18" charset="0"/>
+                <a:ea typeface="Calibri" panose="020F0502020204030204" pitchFamily="34" charset="0"/>
+                <a:cs typeface="Times New Roman" panose="02020603050405020304" pitchFamily="18" charset="0"/>
+              </a:rPr>
+              <a:t>•	Always vote - 82%</a:t>
+            </a:r>
+          </a:p>
+          <a:p>
+            <a:pPr marL="0" marR="0" lvl="0" indent="0">
+              <a:lnSpc>
+                <a:spcPct val="150000"/>
+              </a:lnSpc>
+              <a:spcBef>
+                <a:spcPts val="0"/>
+              </a:spcBef>
+              <a:spcAft>
+                <a:spcPts val="0"/>
+              </a:spcAft>
+              <a:buNone/>
+            </a:pPr>
+            <a:endParaRPr lang="en-US" sz="2800" dirty="0">
+              <a:effectLst/>
+              <a:latin typeface="Garamond" panose="02020404030301010803" pitchFamily="18" charset="0"/>
+              <a:ea typeface="Calibri" panose="020F0502020204030204" pitchFamily="34" charset="0"/>
+              <a:cs typeface="Times New Roman" panose="02020603050405020304" pitchFamily="18" charset="0"/>
+            </a:endParaRPr>
           </a:p>
         </p:txBody>
       </p:sp>
     </p:spTree>
     <p:extLst>
       <p:ext uri="{BB962C8B-B14F-4D97-AF65-F5344CB8AC3E}">
-        <p14:creationId xmlns:p14="http://schemas.microsoft.com/office/powerpoint/2010/main" val="1053036330"/>
+        <p14:creationId xmlns:p14="http://schemas.microsoft.com/office/powerpoint/2010/main" val="2692259502"/>
       </p:ext>
     </p:extLst>
   </p:cSld>
@@ -7573,7 +7365,7 @@
           <p:cNvPr id="2" name="Title 1">
             <a:extLst>
               <a:ext uri="{FF2B5EF4-FFF2-40B4-BE49-F238E27FC236}">
-                <a16:creationId xmlns:a16="http://schemas.microsoft.com/office/drawing/2014/main" id="{C811F779-2DEC-4CB2-9DF1-32E4208602C7}"/>
+                <a16:creationId xmlns:a16="http://schemas.microsoft.com/office/drawing/2014/main" id="{8FBD4B69-C291-4C86-83A4-1D12727FB190}"/>
               </a:ext>
             </a:extLst>
           </p:cNvPr>
@@ -7586,13 +7378,21 @@
         </p:nvSpPr>
         <p:spPr/>
         <p:txBody>
-          <a:bodyPr/>
-          <a:lstStyle/>
-          <a:p>
-            <a:r>
-              <a:rPr lang="en-US" dirty="0"/>
-              <a:t>Recommendations</a:t>
-            </a:r>
+          <a:bodyPr>
+            <a:normAutofit fontScale="90000"/>
+          </a:bodyPr>
+          <a:lstStyle/>
+          <a:p>
+            <a:r>
+              <a:rPr lang="en-US" sz="4000" dirty="0">
+                <a:effectLst/>
+                <a:latin typeface="Garamond" panose="02020404030301010803" pitchFamily="18" charset="0"/>
+                <a:ea typeface="Calibri" panose="020F0502020204030204" pitchFamily="34" charset="0"/>
+                <a:cs typeface="Times New Roman" panose="02020603050405020304" pitchFamily="18" charset="0"/>
+              </a:rPr>
+              <a:t>Cluster 4: Strong Republican/Skeptical of racism (1382) </a:t>
+            </a:r>
+            <a:endParaRPr lang="en-US" dirty="0"/>
           </a:p>
         </p:txBody>
       </p:sp>
@@ -7601,7 +7401,7 @@
           <p:cNvPr id="3" name="Content Placeholder 2">
             <a:extLst>
               <a:ext uri="{FF2B5EF4-FFF2-40B4-BE49-F238E27FC236}">
-                <a16:creationId xmlns:a16="http://schemas.microsoft.com/office/drawing/2014/main" id="{E348DF76-B6B9-4AE2-99C6-1CAE5013DC5D}"/>
+                <a16:creationId xmlns:a16="http://schemas.microsoft.com/office/drawing/2014/main" id="{D30E14DC-4D0D-4E88-A936-B89CF9310123}"/>
               </a:ext>
             </a:extLst>
           </p:cNvPr>
@@ -7612,27 +7412,181 @@
             <p:ph idx="1"/>
           </p:nvPr>
         </p:nvSpPr>
-        <p:spPr/>
+        <p:spPr>
+          <a:xfrm>
+            <a:off x="913794" y="1732449"/>
+            <a:ext cx="10687655" cy="4839801"/>
+          </a:xfrm>
+        </p:spPr>
         <p:txBody>
           <a:bodyPr>
-            <a:normAutofit/>
+            <a:noAutofit/>
           </a:bodyPr>
           <a:lstStyle/>
           <a:p>
-            <a:pPr marL="36900" indent="0">
+            <a:pPr marL="0" marR="0" lvl="0" indent="0">
+              <a:lnSpc>
+                <a:spcPct val="150000"/>
+              </a:lnSpc>
+              <a:spcBef>
+                <a:spcPts val="0"/>
+              </a:spcBef>
+              <a:spcAft>
+                <a:spcPts val="0"/>
+              </a:spcAft>
               <a:buNone/>
             </a:pPr>
             <a:r>
-              <a:rPr lang="en-US" sz="4000" dirty="0"/>
-              <a:t>#2   Use Random Forest model to identify likely voters</a:t>
-            </a:r>
+              <a:rPr lang="en-US" sz="2800" dirty="0">
+                <a:effectLst/>
+                <a:latin typeface="Garamond" panose="02020404030301010803" pitchFamily="18" charset="0"/>
+                <a:ea typeface="Calibri" panose="020F0502020204030204" pitchFamily="34" charset="0"/>
+                <a:cs typeface="Times New Roman" panose="02020603050405020304" pitchFamily="18" charset="0"/>
+              </a:rPr>
+              <a:t>•	Trust the presidency - a lot  </a:t>
+            </a:r>
+          </a:p>
+          <a:p>
+            <a:pPr marL="0" marR="0" lvl="0" indent="0">
+              <a:lnSpc>
+                <a:spcPct val="150000"/>
+              </a:lnSpc>
+              <a:spcBef>
+                <a:spcPts val="0"/>
+              </a:spcBef>
+              <a:spcAft>
+                <a:spcPts val="0"/>
+              </a:spcAft>
+              <a:buNone/>
+            </a:pPr>
+            <a:r>
+              <a:rPr lang="en-US" sz="2800" dirty="0">
+                <a:effectLst/>
+                <a:latin typeface="Garamond" panose="02020404030301010803" pitchFamily="18" charset="0"/>
+                <a:ea typeface="Calibri" panose="020F0502020204030204" pitchFamily="34" charset="0"/>
+                <a:cs typeface="Times New Roman" panose="02020603050405020304" pitchFamily="18" charset="0"/>
+              </a:rPr>
+              <a:t>•	The Democratic Party does not want people like me to vote, and works hard to keep us from being able to vote  </a:t>
+            </a:r>
+          </a:p>
+          <a:p>
+            <a:pPr marL="0" marR="0" lvl="0" indent="0">
+              <a:lnSpc>
+                <a:spcPct val="150000"/>
+              </a:lnSpc>
+              <a:spcBef>
+                <a:spcPts val="0"/>
+              </a:spcBef>
+              <a:spcAft>
+                <a:spcPts val="0"/>
+              </a:spcAft>
+              <a:buNone/>
+            </a:pPr>
+            <a:r>
+              <a:rPr lang="en-US" sz="2800" dirty="0">
+                <a:effectLst/>
+                <a:latin typeface="Garamond" panose="02020404030301010803" pitchFamily="18" charset="0"/>
+                <a:ea typeface="Calibri" panose="020F0502020204030204" pitchFamily="34" charset="0"/>
+                <a:cs typeface="Times New Roman" panose="02020603050405020304" pitchFamily="18" charset="0"/>
+              </a:rPr>
+              <a:t>•	Strong Republican   </a:t>
+            </a:r>
+          </a:p>
+          <a:p>
+            <a:pPr marL="0" marR="0" lvl="0" indent="0">
+              <a:lnSpc>
+                <a:spcPct val="150000"/>
+              </a:lnSpc>
+              <a:spcBef>
+                <a:spcPts val="0"/>
+              </a:spcBef>
+              <a:spcAft>
+                <a:spcPts val="0"/>
+              </a:spcAft>
+              <a:buNone/>
+            </a:pPr>
+            <a:r>
+              <a:rPr lang="en-US" sz="2800" dirty="0">
+                <a:effectLst/>
+                <a:latin typeface="Garamond" panose="02020404030301010803" pitchFamily="18" charset="0"/>
+                <a:ea typeface="Calibri" panose="020F0502020204030204" pitchFamily="34" charset="0"/>
+                <a:cs typeface="Times New Roman" panose="02020603050405020304" pitchFamily="18" charset="0"/>
+              </a:rPr>
+              <a:t>•	Systemic racism in policing is a bigger problem than violence and vandalism in protests - Strongly disagree   </a:t>
+            </a:r>
+          </a:p>
+          <a:p>
+            <a:pPr marL="0" marR="0" lvl="0" indent="0">
+              <a:lnSpc>
+                <a:spcPct val="150000"/>
+              </a:lnSpc>
+              <a:spcBef>
+                <a:spcPts val="0"/>
+              </a:spcBef>
+              <a:spcAft>
+                <a:spcPts val="0"/>
+              </a:spcAft>
+              <a:buNone/>
+            </a:pPr>
+            <a:r>
+              <a:rPr lang="en-US" sz="2800" dirty="0">
+                <a:effectLst/>
+                <a:latin typeface="Garamond" panose="02020404030301010803" pitchFamily="18" charset="0"/>
+                <a:ea typeface="Calibri" panose="020F0502020204030204" pitchFamily="34" charset="0"/>
+                <a:cs typeface="Times New Roman" panose="02020603050405020304" pitchFamily="18" charset="0"/>
+              </a:rPr>
+              <a:t>•	Systemic racism is a problem in the United States - Strongly disagree  </a:t>
+            </a:r>
+          </a:p>
+          <a:p>
+            <a:pPr marL="0" marR="0" lvl="0" indent="0">
+              <a:lnSpc>
+                <a:spcPct val="150000"/>
+              </a:lnSpc>
+              <a:spcBef>
+                <a:spcPts val="0"/>
+              </a:spcBef>
+              <a:spcAft>
+                <a:spcPts val="0"/>
+              </a:spcAft>
+              <a:buNone/>
+            </a:pPr>
+            <a:r>
+              <a:rPr lang="en-US" sz="2800" dirty="0">
+                <a:effectLst/>
+                <a:latin typeface="Garamond" panose="02020404030301010803" pitchFamily="18" charset="0"/>
+                <a:ea typeface="Calibri" panose="020F0502020204030204" pitchFamily="34" charset="0"/>
+                <a:cs typeface="Times New Roman" panose="02020603050405020304" pitchFamily="18" charset="0"/>
+              </a:rPr>
+              <a:t>•	Always vote - 77%</a:t>
+            </a:r>
+          </a:p>
+          <a:p>
+            <a:pPr marL="0" marR="0" lvl="0" indent="0">
+              <a:lnSpc>
+                <a:spcPct val="150000"/>
+              </a:lnSpc>
+              <a:spcBef>
+                <a:spcPts val="0"/>
+              </a:spcBef>
+              <a:spcAft>
+                <a:spcPts val="0"/>
+              </a:spcAft>
+              <a:buNone/>
+            </a:pPr>
+            <a:endParaRPr lang="en-US" sz="2800" dirty="0">
+              <a:effectLst/>
+              <a:latin typeface="Garamond" panose="02020404030301010803" pitchFamily="18" charset="0"/>
+              <a:ea typeface="Calibri" panose="020F0502020204030204" pitchFamily="34" charset="0"/>
+              <a:cs typeface="Times New Roman" panose="02020603050405020304" pitchFamily="18" charset="0"/>
+            </a:endParaRPr>
           </a:p>
         </p:txBody>
       </p:sp>
     </p:spTree>
     <p:extLst>
       <p:ext uri="{BB962C8B-B14F-4D97-AF65-F5344CB8AC3E}">
-        <p14:creationId xmlns:p14="http://schemas.microsoft.com/office/powerpoint/2010/main" val="3560208026"/>
+        <p14:creationId xmlns:p14="http://schemas.microsoft.com/office/powerpoint/2010/main" val="2360039182"/>
       </p:ext>
     </p:extLst>
   </p:cSld>
@@ -7664,7 +7618,7 @@
           <p:cNvPr id="2" name="Title 1">
             <a:extLst>
               <a:ext uri="{FF2B5EF4-FFF2-40B4-BE49-F238E27FC236}">
-                <a16:creationId xmlns:a16="http://schemas.microsoft.com/office/drawing/2014/main" id="{C811F779-2DEC-4CB2-9DF1-32E4208602C7}"/>
+                <a16:creationId xmlns:a16="http://schemas.microsoft.com/office/drawing/2014/main" id="{8FBD4B69-C291-4C86-83A4-1D12727FB190}"/>
               </a:ext>
             </a:extLst>
           </p:cNvPr>
@@ -7677,13 +7631,21 @@
         </p:nvSpPr>
         <p:spPr/>
         <p:txBody>
-          <a:bodyPr/>
-          <a:lstStyle/>
-          <a:p>
-            <a:r>
-              <a:rPr lang="en-US" dirty="0"/>
-              <a:t>Recommendations</a:t>
-            </a:r>
+          <a:bodyPr>
+            <a:normAutofit/>
+          </a:bodyPr>
+          <a:lstStyle/>
+          <a:p>
+            <a:r>
+              <a:rPr lang="en-US" sz="4000" dirty="0">
+                <a:effectLst/>
+                <a:latin typeface="Garamond" panose="02020404030301010803" pitchFamily="18" charset="0"/>
+                <a:ea typeface="Calibri" panose="020F0502020204030204" pitchFamily="34" charset="0"/>
+                <a:cs typeface="Times New Roman" panose="02020603050405020304" pitchFamily="18" charset="0"/>
+              </a:rPr>
+              <a:t>Cluster 5: Weak Republican (1302) </a:t>
+            </a:r>
+            <a:endParaRPr lang="en-US" dirty="0"/>
           </a:p>
         </p:txBody>
       </p:sp>
@@ -7692,7 +7654,7 @@
           <p:cNvPr id="3" name="Content Placeholder 2">
             <a:extLst>
               <a:ext uri="{FF2B5EF4-FFF2-40B4-BE49-F238E27FC236}">
-                <a16:creationId xmlns:a16="http://schemas.microsoft.com/office/drawing/2014/main" id="{E348DF76-B6B9-4AE2-99C6-1CAE5013DC5D}"/>
+                <a16:creationId xmlns:a16="http://schemas.microsoft.com/office/drawing/2014/main" id="{D30E14DC-4D0D-4E88-A936-B89CF9310123}"/>
               </a:ext>
             </a:extLst>
           </p:cNvPr>
@@ -7703,6 +7665,203 @@
             <p:ph idx="1"/>
           </p:nvPr>
         </p:nvSpPr>
+        <p:spPr>
+          <a:xfrm>
+            <a:off x="913794" y="1732449"/>
+            <a:ext cx="10687655" cy="4839801"/>
+          </a:xfrm>
+        </p:spPr>
+        <p:txBody>
+          <a:bodyPr>
+            <a:noAutofit/>
+          </a:bodyPr>
+          <a:lstStyle/>
+          <a:p>
+            <a:pPr marL="0" marR="0" lvl="0" indent="0">
+              <a:lnSpc>
+                <a:spcPct val="150000"/>
+              </a:lnSpc>
+              <a:spcBef>
+                <a:spcPts val="0"/>
+              </a:spcBef>
+              <a:spcAft>
+                <a:spcPts val="0"/>
+              </a:spcAft>
+              <a:buNone/>
+            </a:pPr>
+            <a:r>
+              <a:rPr lang="en-US" sz="2800" dirty="0">
+                <a:effectLst/>
+                <a:latin typeface="Garamond" panose="02020404030301010803" pitchFamily="18" charset="0"/>
+                <a:ea typeface="Calibri" panose="020F0502020204030204" pitchFamily="34" charset="0"/>
+                <a:cs typeface="Times New Roman" panose="02020603050405020304" pitchFamily="18" charset="0"/>
+              </a:rPr>
+              <a:t>•	Systemic racism is a problem in the United States - Somewhat agree   </a:t>
+            </a:r>
+          </a:p>
+          <a:p>
+            <a:pPr marL="0" marR="0" lvl="0" indent="0">
+              <a:lnSpc>
+                <a:spcPct val="150000"/>
+              </a:lnSpc>
+              <a:spcBef>
+                <a:spcPts val="0"/>
+              </a:spcBef>
+              <a:spcAft>
+                <a:spcPts val="0"/>
+              </a:spcAft>
+              <a:buNone/>
+            </a:pPr>
+            <a:r>
+              <a:rPr lang="en-US" sz="2800" dirty="0">
+                <a:effectLst/>
+                <a:latin typeface="Garamond" panose="02020404030301010803" pitchFamily="18" charset="0"/>
+                <a:ea typeface="Calibri" panose="020F0502020204030204" pitchFamily="34" charset="0"/>
+                <a:cs typeface="Times New Roman" panose="02020603050405020304" pitchFamily="18" charset="0"/>
+              </a:rPr>
+              <a:t>•	Systemic racism in policing is a bigger problem than violence and vandalism in protests - Somewhat disagree    </a:t>
+            </a:r>
+          </a:p>
+          <a:p>
+            <a:pPr marL="0" marR="0" lvl="0" indent="0">
+              <a:lnSpc>
+                <a:spcPct val="150000"/>
+              </a:lnSpc>
+              <a:spcBef>
+                <a:spcPts val="0"/>
+              </a:spcBef>
+              <a:spcAft>
+                <a:spcPts val="0"/>
+              </a:spcAft>
+              <a:buNone/>
+            </a:pPr>
+            <a:r>
+              <a:rPr lang="en-US" sz="2800" dirty="0">
+                <a:effectLst/>
+                <a:latin typeface="Garamond" panose="02020404030301010803" pitchFamily="18" charset="0"/>
+                <a:ea typeface="Calibri" panose="020F0502020204030204" pitchFamily="34" charset="0"/>
+                <a:cs typeface="Times New Roman" panose="02020603050405020304" pitchFamily="18" charset="0"/>
+              </a:rPr>
+              <a:t>•	Following the 2020 presidential race -- somewhat closely  </a:t>
+            </a:r>
+          </a:p>
+          <a:p>
+            <a:pPr marL="0" marR="0" lvl="0" indent="0">
+              <a:lnSpc>
+                <a:spcPct val="150000"/>
+              </a:lnSpc>
+              <a:spcBef>
+                <a:spcPts val="0"/>
+              </a:spcBef>
+              <a:spcAft>
+                <a:spcPts val="0"/>
+              </a:spcAft>
+              <a:buNone/>
+            </a:pPr>
+            <a:r>
+              <a:rPr lang="en-US" sz="2800" dirty="0">
+                <a:effectLst/>
+                <a:latin typeface="Garamond" panose="02020404030301010803" pitchFamily="18" charset="0"/>
+                <a:ea typeface="Calibri" panose="020F0502020204030204" pitchFamily="34" charset="0"/>
+                <a:cs typeface="Times New Roman" panose="02020603050405020304" pitchFamily="18" charset="0"/>
+              </a:rPr>
+              <a:t>•	The Republican Party wants people like me to vote but does not work hard to earn our votes  </a:t>
+            </a:r>
+          </a:p>
+          <a:p>
+            <a:pPr marL="0" marR="0" lvl="0" indent="0">
+              <a:lnSpc>
+                <a:spcPct val="150000"/>
+              </a:lnSpc>
+              <a:spcBef>
+                <a:spcPts val="0"/>
+              </a:spcBef>
+              <a:spcAft>
+                <a:spcPts val="0"/>
+              </a:spcAft>
+              <a:buNone/>
+            </a:pPr>
+            <a:r>
+              <a:rPr lang="en-US" sz="2800" dirty="0">
+                <a:effectLst/>
+                <a:latin typeface="Garamond" panose="02020404030301010803" pitchFamily="18" charset="0"/>
+                <a:ea typeface="Calibri" panose="020F0502020204030204" pitchFamily="34" charset="0"/>
+                <a:cs typeface="Times New Roman" panose="02020603050405020304" pitchFamily="18" charset="0"/>
+              </a:rPr>
+              <a:t>•	Not very strong Republican  </a:t>
+            </a:r>
+          </a:p>
+          <a:p>
+            <a:pPr marL="0" marR="0" lvl="0" indent="0">
+              <a:lnSpc>
+                <a:spcPct val="150000"/>
+              </a:lnSpc>
+              <a:spcBef>
+                <a:spcPts val="0"/>
+              </a:spcBef>
+              <a:spcAft>
+                <a:spcPts val="0"/>
+              </a:spcAft>
+              <a:buNone/>
+            </a:pPr>
+            <a:r>
+              <a:rPr lang="en-US" sz="2800" dirty="0">
+                <a:effectLst/>
+                <a:latin typeface="Garamond" panose="02020404030301010803" pitchFamily="18" charset="0"/>
+                <a:ea typeface="Calibri" panose="020F0502020204030204" pitchFamily="34" charset="0"/>
+                <a:cs typeface="Times New Roman" panose="02020603050405020304" pitchFamily="18" charset="0"/>
+              </a:rPr>
+              <a:t>•	Always vote - 52%, Sporadic - 29% </a:t>
+            </a:r>
+          </a:p>
+        </p:txBody>
+      </p:sp>
+    </p:spTree>
+    <p:extLst>
+      <p:ext uri="{BB962C8B-B14F-4D97-AF65-F5344CB8AC3E}">
+        <p14:creationId xmlns:p14="http://schemas.microsoft.com/office/powerpoint/2010/main" val="1769676277"/>
+      </p:ext>
+    </p:extLst>
+  </p:cSld>
+  <p:clrMapOvr>
+    <a:masterClrMapping/>
+  </p:clrMapOvr>
+</p:sld>
+</file>
+
+<file path=ppt/slides/slide19.xml><?xml version="1.0" encoding="utf-8"?>
+<p:sld xmlns:a="http://schemas.openxmlformats.org/drawingml/2006/main" xmlns:r="http://schemas.openxmlformats.org/officeDocument/2006/relationships" xmlns:p="http://schemas.openxmlformats.org/presentationml/2006/main">
+  <p:cSld>
+    <p:spTree>
+      <p:nvGrpSpPr>
+        <p:cNvPr id="1" name=""/>
+        <p:cNvGrpSpPr/>
+        <p:nvPr/>
+      </p:nvGrpSpPr>
+      <p:grpSpPr>
+        <a:xfrm>
+          <a:off x="0" y="0"/>
+          <a:ext cx="0" cy="0"/>
+          <a:chOff x="0" y="0"/>
+          <a:chExt cx="0" cy="0"/>
+        </a:xfrm>
+      </p:grpSpPr>
+      <p:sp>
+        <p:nvSpPr>
+          <p:cNvPr id="2" name="Title 1">
+            <a:extLst>
+              <a:ext uri="{FF2B5EF4-FFF2-40B4-BE49-F238E27FC236}">
+                <a16:creationId xmlns:a16="http://schemas.microsoft.com/office/drawing/2014/main" id="{8A10A7D9-700E-46F3-A2E1-F7BD65A11AAD}"/>
+              </a:ext>
+            </a:extLst>
+          </p:cNvPr>
+          <p:cNvSpPr>
+            <a:spLocks noGrp="1"/>
+          </p:cNvSpPr>
+          <p:nvPr>
+            <p:ph type="title"/>
+          </p:nvPr>
+        </p:nvSpPr>
         <p:spPr/>
         <p:txBody>
           <a:bodyPr>
@@ -7710,20 +7869,124 @@
           </a:bodyPr>
           <a:lstStyle/>
           <a:p>
-            <a:pPr marL="36900" indent="0">
-              <a:buNone/>
+            <a:r>
+              <a:rPr lang="en-US" sz="2400" dirty="0"/>
+              <a:t>Presentation Outline</a:t>
+            </a:r>
+          </a:p>
+        </p:txBody>
+      </p:sp>
+      <p:sp>
+        <p:nvSpPr>
+          <p:cNvPr id="3" name="Content Placeholder 2">
+            <a:extLst>
+              <a:ext uri="{FF2B5EF4-FFF2-40B4-BE49-F238E27FC236}">
+                <a16:creationId xmlns:a16="http://schemas.microsoft.com/office/drawing/2014/main" id="{FF6BF8C1-0AA0-485E-B3AB-17B0E4D0379F}"/>
+              </a:ext>
+            </a:extLst>
+          </p:cNvPr>
+          <p:cNvSpPr>
+            <a:spLocks noGrp="1"/>
+          </p:cNvSpPr>
+          <p:nvPr>
+            <p:ph idx="1"/>
+          </p:nvPr>
+        </p:nvSpPr>
+        <p:spPr/>
+        <p:txBody>
+          <a:bodyPr>
+            <a:normAutofit/>
+          </a:bodyPr>
+          <a:lstStyle/>
+          <a:p>
+            <a:pPr>
+              <a:buFont typeface="Arial" panose="020B0604020202020204" pitchFamily="34" charset="0"/>
+              <a:buChar char="•"/>
             </a:pPr>
             <a:r>
-              <a:rPr lang="en-US" sz="4000" dirty="0"/>
-              <a:t>#3   Use clustering to identify groups of voters and tailor message to these groups</a:t>
-            </a:r>
+              <a:rPr lang="en-US" sz="4000" dirty="0">
+                <a:solidFill>
+                  <a:schemeClr val="tx2">
+                    <a:lumMod val="50000"/>
+                  </a:schemeClr>
+                </a:solidFill>
+              </a:rPr>
+              <a:t>Random Forest</a:t>
+            </a:r>
+          </a:p>
+          <a:p>
+            <a:pPr>
+              <a:buFont typeface="Arial" panose="020B0604020202020204" pitchFamily="34" charset="0"/>
+              <a:buChar char="•"/>
+            </a:pPr>
+            <a:r>
+              <a:rPr lang="en-US" sz="4000" dirty="0">
+                <a:solidFill>
+                  <a:schemeClr val="tx2">
+                    <a:lumMod val="50000"/>
+                  </a:schemeClr>
+                </a:solidFill>
+              </a:rPr>
+              <a:t>K-means Clustering</a:t>
+            </a:r>
+          </a:p>
+          <a:p>
+            <a:pPr>
+              <a:buFont typeface="Arial" panose="020B0604020202020204" pitchFamily="34" charset="0"/>
+              <a:buChar char="•"/>
+            </a:pPr>
+            <a:r>
+              <a:rPr lang="en-US" sz="4000" dirty="0">
+                <a:solidFill>
+                  <a:schemeClr val="tx2">
+                    <a:lumMod val="50000"/>
+                  </a:schemeClr>
+                </a:solidFill>
+              </a:rPr>
+              <a:t>Other models</a:t>
+            </a:r>
+          </a:p>
+          <a:p>
+            <a:pPr>
+              <a:buFont typeface="Arial" panose="020B0604020202020204" pitchFamily="34" charset="0"/>
+              <a:buChar char="•"/>
+            </a:pPr>
+            <a:r>
+              <a:rPr lang="en-US" sz="4000" dirty="0">
+                <a:solidFill>
+                  <a:schemeClr val="tx1"/>
+                </a:solidFill>
+              </a:rPr>
+              <a:t>Recommendations</a:t>
+            </a:r>
+          </a:p>
+          <a:p>
+            <a:pPr>
+              <a:buFont typeface="Arial" panose="020B0604020202020204" pitchFamily="34" charset="0"/>
+              <a:buChar char="•"/>
+            </a:pPr>
+            <a:endParaRPr lang="en-US" sz="4000" dirty="0"/>
+          </a:p>
+          <a:p>
+            <a:pPr>
+              <a:buFont typeface="Arial" panose="020B0604020202020204" pitchFamily="34" charset="0"/>
+              <a:buChar char="•"/>
+            </a:pPr>
+            <a:endParaRPr lang="en-US" sz="4000" dirty="0"/>
+          </a:p>
+          <a:p>
+            <a:pPr>
+              <a:buFont typeface="Arial" panose="020B0604020202020204" pitchFamily="34" charset="0"/>
+              <a:buChar char="•"/>
+            </a:pPr>
+            <a:endParaRPr lang="en-US" sz="4000" dirty="0"/>
           </a:p>
         </p:txBody>
       </p:sp>
     </p:spTree>
     <p:extLst>
       <p:ext uri="{BB962C8B-B14F-4D97-AF65-F5344CB8AC3E}">
-        <p14:creationId xmlns:p14="http://schemas.microsoft.com/office/powerpoint/2010/main" val="1909104548"/>
+        <p14:creationId xmlns:p14="http://schemas.microsoft.com/office/powerpoint/2010/main" val="2802170433"/>
       </p:ext>
     </p:extLst>
   </p:cSld>
@@ -7813,7 +8076,7 @@
         <p:spPr/>
         <p:txBody>
           <a:bodyPr>
-            <a:normAutofit/>
+            <a:noAutofit/>
           </a:bodyPr>
           <a:lstStyle/>
           <a:p>
@@ -7831,15 +8094,15 @@
               <a:buChar char=""/>
             </a:pPr>
             <a:r>
-              <a:rPr lang="en-US" sz="2400" dirty="0">
+              <a:rPr lang="en-US" sz="4000" dirty="0">
                 <a:effectLst/>
                 <a:latin typeface="Garamond" panose="02020404030301010803" pitchFamily="18" charset="0"/>
                 <a:ea typeface="Calibri" panose="020F0502020204030204" pitchFamily="34" charset="0"/>
                 <a:cs typeface="Times New Roman" panose="02020603050405020304" pitchFamily="18" charset="0"/>
               </a:rPr>
-              <a:t>Can an individual’s likelihood to not vote be predicted based on survey data?</a:t>
-            </a:r>
-            <a:endParaRPr lang="en-US" sz="2400" dirty="0">
+              <a:t>Can individuals who never vote (nonvoters) be predicted based on survey data?</a:t>
+            </a:r>
+            <a:endParaRPr lang="en-US" sz="4000" dirty="0">
               <a:effectLst/>
               <a:latin typeface="Calibri" panose="020F0502020204030204" pitchFamily="34" charset="0"/>
               <a:ea typeface="Calibri" panose="020F0502020204030204" pitchFamily="34" charset="0"/>
@@ -7861,15 +8124,15 @@
               <a:buChar char=""/>
             </a:pPr>
             <a:r>
-              <a:rPr lang="en-US" sz="2400" dirty="0">
+              <a:rPr lang="en-US" sz="4000" dirty="0">
                 <a:effectLst/>
                 <a:latin typeface="Garamond" panose="02020404030301010803" pitchFamily="18" charset="0"/>
                 <a:ea typeface="Calibri" panose="020F0502020204030204" pitchFamily="34" charset="0"/>
                 <a:cs typeface="Times New Roman" panose="02020603050405020304" pitchFamily="18" charset="0"/>
               </a:rPr>
-              <a:t>What are the key factors that would cause a person to not vote?</a:t>
-            </a:r>
-            <a:endParaRPr lang="en-US" sz="2400" dirty="0">
+              <a:t>What are the key factors that would cause a person not to vote?</a:t>
+            </a:r>
+            <a:endParaRPr lang="en-US" sz="4000" dirty="0">
               <a:effectLst/>
               <a:latin typeface="Calibri" panose="020F0502020204030204" pitchFamily="34" charset="0"/>
               <a:ea typeface="Calibri" panose="020F0502020204030204" pitchFamily="34" charset="0"/>
@@ -7877,37 +8140,7 @@
             </a:endParaRPr>
           </a:p>
           <a:p>
-            <a:pPr marL="342900" marR="0" lvl="0" indent="-342900">
-              <a:lnSpc>
-                <a:spcPct val="150000"/>
-              </a:lnSpc>
-              <a:spcBef>
-                <a:spcPts val="0"/>
-              </a:spcBef>
-              <a:spcAft>
-                <a:spcPts val="800"/>
-              </a:spcAft>
-              <a:buFont typeface="Symbol" panose="05050102010706020507" pitchFamily="18" charset="2"/>
-              <a:buChar char=""/>
-            </a:pPr>
-            <a:r>
-              <a:rPr lang="en-US" sz="2400" dirty="0">
-                <a:effectLst/>
-                <a:latin typeface="Garamond" panose="02020404030301010803" pitchFamily="18" charset="0"/>
-                <a:ea typeface="Calibri" panose="020F0502020204030204" pitchFamily="34" charset="0"/>
-                <a:cs typeface="Times New Roman" panose="02020603050405020304" pitchFamily="18" charset="0"/>
-              </a:rPr>
-              <a:t>Can citizens be placed into clusters in which they share common characteristics?</a:t>
-            </a:r>
-            <a:endParaRPr lang="en-US" sz="2400" dirty="0">
-              <a:effectLst/>
-              <a:latin typeface="Calibri" panose="020F0502020204030204" pitchFamily="34" charset="0"/>
-              <a:ea typeface="Calibri" panose="020F0502020204030204" pitchFamily="34" charset="0"/>
-              <a:cs typeface="Times New Roman" panose="02020603050405020304" pitchFamily="18" charset="0"/>
-            </a:endParaRPr>
-          </a:p>
-          <a:p>
-            <a:endParaRPr lang="en-US" sz="2400" dirty="0"/>
+            <a:endParaRPr lang="en-US" sz="4000" dirty="0"/>
           </a:p>
         </p:txBody>
       </p:sp>
@@ -7924,7 +8157,125 @@
 </p:sld>
 </file>
 
-<file path=ppt/slides/slide3.xml><?xml version="1.0" encoding="utf-8"?>
+<file path=ppt/slides/slide20.xml><?xml version="1.0" encoding="utf-8"?>
+<p:sld xmlns:a="http://schemas.openxmlformats.org/drawingml/2006/main" xmlns:r="http://schemas.openxmlformats.org/officeDocument/2006/relationships" xmlns:p="http://schemas.openxmlformats.org/presentationml/2006/main">
+  <p:cSld>
+    <p:spTree>
+      <p:nvGrpSpPr>
+        <p:cNvPr id="1" name=""/>
+        <p:cNvGrpSpPr/>
+        <p:nvPr/>
+      </p:nvGrpSpPr>
+      <p:grpSpPr>
+        <a:xfrm>
+          <a:off x="0" y="0"/>
+          <a:ext cx="0" cy="0"/>
+          <a:chOff x="0" y="0"/>
+          <a:chExt cx="0" cy="0"/>
+        </a:xfrm>
+      </p:grpSpPr>
+      <p:sp>
+        <p:nvSpPr>
+          <p:cNvPr id="2" name="Title 1">
+            <a:extLst>
+              <a:ext uri="{FF2B5EF4-FFF2-40B4-BE49-F238E27FC236}">
+                <a16:creationId xmlns:a16="http://schemas.microsoft.com/office/drawing/2014/main" id="{2F22A8AE-CB9C-4CB3-B587-94065601C99E}"/>
+              </a:ext>
+            </a:extLst>
+          </p:cNvPr>
+          <p:cNvSpPr>
+            <a:spLocks noGrp="1"/>
+          </p:cNvSpPr>
+          <p:nvPr>
+            <p:ph type="title"/>
+          </p:nvPr>
+        </p:nvSpPr>
+        <p:spPr/>
+        <p:txBody>
+          <a:bodyPr/>
+          <a:lstStyle/>
+          <a:p>
+            <a:r>
+              <a:rPr lang="en-US" dirty="0"/>
+              <a:t>Other models/approaches</a:t>
+            </a:r>
+          </a:p>
+        </p:txBody>
+      </p:sp>
+      <p:sp>
+        <p:nvSpPr>
+          <p:cNvPr id="3" name="Content Placeholder 2">
+            <a:extLst>
+              <a:ext uri="{FF2B5EF4-FFF2-40B4-BE49-F238E27FC236}">
+                <a16:creationId xmlns:a16="http://schemas.microsoft.com/office/drawing/2014/main" id="{8E0154C7-A390-44C1-9837-EDA00078CD28}"/>
+              </a:ext>
+            </a:extLst>
+          </p:cNvPr>
+          <p:cNvSpPr>
+            <a:spLocks noGrp="1"/>
+          </p:cNvSpPr>
+          <p:nvPr>
+            <p:ph idx="1"/>
+          </p:nvPr>
+        </p:nvSpPr>
+        <p:spPr>
+          <a:xfrm>
+            <a:off x="913795" y="2351575"/>
+            <a:ext cx="10353762" cy="2677626"/>
+          </a:xfrm>
+        </p:spPr>
+        <p:txBody>
+          <a:bodyPr>
+            <a:normAutofit/>
+          </a:bodyPr>
+          <a:lstStyle/>
+          <a:p>
+            <a:pPr>
+              <a:buFont typeface="Arial" panose="020B0604020202020204" pitchFamily="34" charset="0"/>
+              <a:buChar char="•"/>
+            </a:pPr>
+            <a:r>
+              <a:rPr lang="en-US" sz="4000" dirty="0"/>
+              <a:t>Principal component analysis </a:t>
+            </a:r>
+            <a:r>
+              <a:rPr lang="en-US" sz="4000" dirty="0">
+                <a:sym typeface="Wingdings" panose="05000000000000000000" pitchFamily="2" charset="2"/>
+              </a:rPr>
+              <a:t> Clustering</a:t>
+            </a:r>
+          </a:p>
+          <a:p>
+            <a:pPr>
+              <a:buFont typeface="Arial" panose="020B0604020202020204" pitchFamily="34" charset="0"/>
+              <a:buChar char="•"/>
+            </a:pPr>
+            <a:r>
+              <a:rPr lang="en-US" sz="4000" dirty="0">
+                <a:sym typeface="Wingdings" panose="05000000000000000000" pitchFamily="2" charset="2"/>
+              </a:rPr>
+              <a:t>Logistic Regression with all features  better recall with  loss of precision</a:t>
+            </a:r>
+          </a:p>
+          <a:p>
+            <a:endParaRPr lang="en-US" sz="4000" dirty="0"/>
+          </a:p>
+        </p:txBody>
+      </p:sp>
+    </p:spTree>
+    <p:extLst>
+      <p:ext uri="{BB962C8B-B14F-4D97-AF65-F5344CB8AC3E}">
+        <p14:creationId xmlns:p14="http://schemas.microsoft.com/office/powerpoint/2010/main" val="2672419271"/>
+      </p:ext>
+    </p:extLst>
+  </p:cSld>
+  <p:clrMapOvr>
+    <a:masterClrMapping/>
+  </p:clrMapOvr>
+</p:sld>
+</file>
+
+<file path=ppt/slides/slide21.xml><?xml version="1.0" encoding="utf-8"?>
 <p:sld xmlns:a="http://schemas.openxmlformats.org/drawingml/2006/main" xmlns:r="http://schemas.openxmlformats.org/officeDocument/2006/relationships" xmlns:p="http://schemas.openxmlformats.org/presentationml/2006/main">
   <p:cSld>
     <p:bg>
@@ -8094,8 +8445,8 @@
         </p:blipFill>
         <p:spPr bwMode="auto">
           <a:xfrm>
-            <a:off x="3632200" y="1157243"/>
-            <a:ext cx="4927600" cy="4448476"/>
+            <a:off x="1727200" y="1962149"/>
+            <a:ext cx="4073525" cy="3643569"/>
           </a:xfrm>
           <a:prstGeom prst="rect">
             <a:avLst/>
@@ -8103,10 +8454,709 @@
           <a:noFill/>
         </p:spPr>
       </p:pic>
+      <p:pic>
+        <p:nvPicPr>
+          <p:cNvPr id="1026" name="Picture 2">
+            <a:extLst>
+              <a:ext uri="{FF2B5EF4-FFF2-40B4-BE49-F238E27FC236}">
+                <a16:creationId xmlns:a16="http://schemas.microsoft.com/office/drawing/2014/main" id="{7169B411-C8B3-496D-ABBA-649377EB89F0}"/>
+              </a:ext>
+            </a:extLst>
+          </p:cNvPr>
+          <p:cNvPicPr>
+            <a:picLocks noChangeAspect="1" noChangeArrowheads="1"/>
+          </p:cNvPicPr>
+          <p:nvPr/>
+        </p:nvPicPr>
+        <p:blipFill>
+          <a:blip r:embed="rId5">
+            <a:extLst>
+              <a:ext uri="{28A0092B-C50C-407E-A947-70E740481C1C}">
+                <a14:useLocalDpi xmlns:a14="http://schemas.microsoft.com/office/drawing/2010/main" val="0"/>
+              </a:ext>
+            </a:extLst>
+          </a:blip>
+          <a:srcRect/>
+          <a:stretch>
+            <a:fillRect/>
+          </a:stretch>
+        </p:blipFill>
+        <p:spPr bwMode="auto">
+          <a:xfrm>
+            <a:off x="6391276" y="1962149"/>
+            <a:ext cx="4073523" cy="3598065"/>
+          </a:xfrm>
+          <a:prstGeom prst="rect">
+            <a:avLst/>
+          </a:prstGeom>
+          <a:noFill/>
+          <a:extLst>
+            <a:ext uri="{909E8E84-426E-40DD-AFC4-6F175D3DCCD1}">
+              <a14:hiddenFill xmlns:a14="http://schemas.microsoft.com/office/drawing/2010/main">
+                <a:solidFill>
+                  <a:srgbClr val="FFFFFF"/>
+                </a:solidFill>
+              </a14:hiddenFill>
+            </a:ext>
+          </a:extLst>
+        </p:spPr>
+      </p:pic>
+      <p:sp>
+        <p:nvSpPr>
+          <p:cNvPr id="3" name="TextBox 2">
+            <a:extLst>
+              <a:ext uri="{FF2B5EF4-FFF2-40B4-BE49-F238E27FC236}">
+                <a16:creationId xmlns:a16="http://schemas.microsoft.com/office/drawing/2014/main" id="{DA657D45-DBA6-4C5F-89B3-918F5FDD2B7B}"/>
+              </a:ext>
+            </a:extLst>
+          </p:cNvPr>
+          <p:cNvSpPr txBox="1"/>
+          <p:nvPr/>
+        </p:nvSpPr>
+        <p:spPr>
+          <a:xfrm>
+            <a:off x="2447925" y="1543050"/>
+            <a:ext cx="1700787" cy="369332"/>
+          </a:xfrm>
+          <a:prstGeom prst="rect">
+            <a:avLst/>
+          </a:prstGeom>
+          <a:noFill/>
+        </p:spPr>
+        <p:txBody>
+          <a:bodyPr wrap="none" rtlCol="0">
+            <a:spAutoFit/>
+          </a:bodyPr>
+          <a:lstStyle/>
+          <a:p>
+            <a:r>
+              <a:rPr lang="en-US" dirty="0">
+                <a:solidFill>
+                  <a:schemeClr val="bg1"/>
+                </a:solidFill>
+              </a:rPr>
+              <a:t>Random Forest</a:t>
+            </a:r>
+          </a:p>
+        </p:txBody>
+      </p:sp>
+      <p:sp>
+        <p:nvSpPr>
+          <p:cNvPr id="8" name="TextBox 7">
+            <a:extLst>
+              <a:ext uri="{FF2B5EF4-FFF2-40B4-BE49-F238E27FC236}">
+                <a16:creationId xmlns:a16="http://schemas.microsoft.com/office/drawing/2014/main" id="{902C20A6-A975-4812-B33E-F9EF09E4E2B4}"/>
+              </a:ext>
+            </a:extLst>
+          </p:cNvPr>
+          <p:cNvSpPr txBox="1"/>
+          <p:nvPr/>
+        </p:nvSpPr>
+        <p:spPr>
+          <a:xfrm>
+            <a:off x="7192896" y="1473925"/>
+            <a:ext cx="2085636" cy="369332"/>
+          </a:xfrm>
+          <a:prstGeom prst="rect">
+            <a:avLst/>
+          </a:prstGeom>
+          <a:noFill/>
+        </p:spPr>
+        <p:txBody>
+          <a:bodyPr wrap="none" rtlCol="0">
+            <a:spAutoFit/>
+          </a:bodyPr>
+          <a:lstStyle/>
+          <a:p>
+            <a:r>
+              <a:rPr lang="en-US" dirty="0">
+                <a:solidFill>
+                  <a:schemeClr val="bg1"/>
+                </a:solidFill>
+              </a:rPr>
+              <a:t>Logistic Regression</a:t>
+            </a:r>
+          </a:p>
+        </p:txBody>
+      </p:sp>
     </p:spTree>
     <p:extLst>
       <p:ext uri="{BB962C8B-B14F-4D97-AF65-F5344CB8AC3E}">
-        <p14:creationId xmlns:p14="http://schemas.microsoft.com/office/powerpoint/2010/main" val="3416194156"/>
+        <p14:creationId xmlns:p14="http://schemas.microsoft.com/office/powerpoint/2010/main" val="2207806459"/>
+      </p:ext>
+    </p:extLst>
+  </p:cSld>
+  <p:clrMapOvr>
+    <a:masterClrMapping/>
+  </p:clrMapOvr>
+</p:sld>
+</file>
+
+<file path=ppt/slides/slide22.xml><?xml version="1.0" encoding="utf-8"?>
+<p:sld xmlns:a="http://schemas.openxmlformats.org/drawingml/2006/main" xmlns:r="http://schemas.openxmlformats.org/officeDocument/2006/relationships" xmlns:p="http://schemas.openxmlformats.org/presentationml/2006/main">
+  <p:cSld>
+    <p:spTree>
+      <p:nvGrpSpPr>
+        <p:cNvPr id="1" name=""/>
+        <p:cNvGrpSpPr/>
+        <p:nvPr/>
+      </p:nvGrpSpPr>
+      <p:grpSpPr>
+        <a:xfrm>
+          <a:off x="0" y="0"/>
+          <a:ext cx="0" cy="0"/>
+          <a:chOff x="0" y="0"/>
+          <a:chExt cx="0" cy="0"/>
+        </a:xfrm>
+      </p:grpSpPr>
+      <p:sp>
+        <p:nvSpPr>
+          <p:cNvPr id="2" name="Title 1">
+            <a:extLst>
+              <a:ext uri="{FF2B5EF4-FFF2-40B4-BE49-F238E27FC236}">
+                <a16:creationId xmlns:a16="http://schemas.microsoft.com/office/drawing/2014/main" id="{8A10A7D9-700E-46F3-A2E1-F7BD65A11AAD}"/>
+              </a:ext>
+            </a:extLst>
+          </p:cNvPr>
+          <p:cNvSpPr>
+            <a:spLocks noGrp="1"/>
+          </p:cNvSpPr>
+          <p:nvPr>
+            <p:ph type="title"/>
+          </p:nvPr>
+        </p:nvSpPr>
+        <p:spPr/>
+        <p:txBody>
+          <a:bodyPr>
+            <a:normAutofit/>
+          </a:bodyPr>
+          <a:lstStyle/>
+          <a:p>
+            <a:r>
+              <a:rPr lang="en-US" sz="2400" dirty="0"/>
+              <a:t>Presentation Outline</a:t>
+            </a:r>
+          </a:p>
+        </p:txBody>
+      </p:sp>
+      <p:sp>
+        <p:nvSpPr>
+          <p:cNvPr id="3" name="Content Placeholder 2">
+            <a:extLst>
+              <a:ext uri="{FF2B5EF4-FFF2-40B4-BE49-F238E27FC236}">
+                <a16:creationId xmlns:a16="http://schemas.microsoft.com/office/drawing/2014/main" id="{FF6BF8C1-0AA0-485E-B3AB-17B0E4D0379F}"/>
+              </a:ext>
+            </a:extLst>
+          </p:cNvPr>
+          <p:cNvSpPr>
+            <a:spLocks noGrp="1"/>
+          </p:cNvSpPr>
+          <p:nvPr>
+            <p:ph idx="1"/>
+          </p:nvPr>
+        </p:nvSpPr>
+        <p:spPr/>
+        <p:txBody>
+          <a:bodyPr>
+            <a:normAutofit/>
+          </a:bodyPr>
+          <a:lstStyle/>
+          <a:p>
+            <a:pPr>
+              <a:buFont typeface="Arial" panose="020B0604020202020204" pitchFamily="34" charset="0"/>
+              <a:buChar char="•"/>
+            </a:pPr>
+            <a:r>
+              <a:rPr lang="en-US" sz="4000" dirty="0">
+                <a:solidFill>
+                  <a:schemeClr val="tx2">
+                    <a:lumMod val="50000"/>
+                  </a:schemeClr>
+                </a:solidFill>
+              </a:rPr>
+              <a:t>Random Forest</a:t>
+            </a:r>
+          </a:p>
+          <a:p>
+            <a:pPr>
+              <a:buFont typeface="Arial" panose="020B0604020202020204" pitchFamily="34" charset="0"/>
+              <a:buChar char="•"/>
+            </a:pPr>
+            <a:r>
+              <a:rPr lang="en-US" sz="4000" dirty="0">
+                <a:solidFill>
+                  <a:schemeClr val="tx2">
+                    <a:lumMod val="50000"/>
+                  </a:schemeClr>
+                </a:solidFill>
+              </a:rPr>
+              <a:t>K-means Clustering</a:t>
+            </a:r>
+          </a:p>
+          <a:p>
+            <a:pPr>
+              <a:buFont typeface="Arial" panose="020B0604020202020204" pitchFamily="34" charset="0"/>
+              <a:buChar char="•"/>
+            </a:pPr>
+            <a:r>
+              <a:rPr lang="en-US" sz="4000" dirty="0">
+                <a:solidFill>
+                  <a:schemeClr val="tx2">
+                    <a:lumMod val="50000"/>
+                  </a:schemeClr>
+                </a:solidFill>
+              </a:rPr>
+              <a:t>Other models</a:t>
+            </a:r>
+          </a:p>
+          <a:p>
+            <a:pPr>
+              <a:buFont typeface="Arial" panose="020B0604020202020204" pitchFamily="34" charset="0"/>
+              <a:buChar char="•"/>
+            </a:pPr>
+            <a:r>
+              <a:rPr lang="en-US" sz="4000" dirty="0">
+                <a:solidFill>
+                  <a:schemeClr val="tx1"/>
+                </a:solidFill>
+              </a:rPr>
+              <a:t>Recommendations</a:t>
+            </a:r>
+          </a:p>
+          <a:p>
+            <a:pPr>
+              <a:buFont typeface="Arial" panose="020B0604020202020204" pitchFamily="34" charset="0"/>
+              <a:buChar char="•"/>
+            </a:pPr>
+            <a:endParaRPr lang="en-US" sz="4000" dirty="0"/>
+          </a:p>
+          <a:p>
+            <a:pPr>
+              <a:buFont typeface="Arial" panose="020B0604020202020204" pitchFamily="34" charset="0"/>
+              <a:buChar char="•"/>
+            </a:pPr>
+            <a:endParaRPr lang="en-US" sz="4000" dirty="0"/>
+          </a:p>
+          <a:p>
+            <a:pPr>
+              <a:buFont typeface="Arial" panose="020B0604020202020204" pitchFamily="34" charset="0"/>
+              <a:buChar char="•"/>
+            </a:pPr>
+            <a:endParaRPr lang="en-US" sz="4000" dirty="0"/>
+          </a:p>
+        </p:txBody>
+      </p:sp>
+    </p:spTree>
+    <p:extLst>
+      <p:ext uri="{BB962C8B-B14F-4D97-AF65-F5344CB8AC3E}">
+        <p14:creationId xmlns:p14="http://schemas.microsoft.com/office/powerpoint/2010/main" val="1661100355"/>
+      </p:ext>
+    </p:extLst>
+  </p:cSld>
+  <p:clrMapOvr>
+    <a:masterClrMapping/>
+  </p:clrMapOvr>
+</p:sld>
+</file>
+
+<file path=ppt/slides/slide23.xml><?xml version="1.0" encoding="utf-8"?>
+<p:sld xmlns:a="http://schemas.openxmlformats.org/drawingml/2006/main" xmlns:r="http://schemas.openxmlformats.org/officeDocument/2006/relationships" xmlns:p="http://schemas.openxmlformats.org/presentationml/2006/main">
+  <p:cSld>
+    <p:spTree>
+      <p:nvGrpSpPr>
+        <p:cNvPr id="1" name=""/>
+        <p:cNvGrpSpPr/>
+        <p:nvPr/>
+      </p:nvGrpSpPr>
+      <p:grpSpPr>
+        <a:xfrm>
+          <a:off x="0" y="0"/>
+          <a:ext cx="0" cy="0"/>
+          <a:chOff x="0" y="0"/>
+          <a:chExt cx="0" cy="0"/>
+        </a:xfrm>
+      </p:grpSpPr>
+      <p:sp>
+        <p:nvSpPr>
+          <p:cNvPr id="2" name="Title 1">
+            <a:extLst>
+              <a:ext uri="{FF2B5EF4-FFF2-40B4-BE49-F238E27FC236}">
+                <a16:creationId xmlns:a16="http://schemas.microsoft.com/office/drawing/2014/main" id="{C811F779-2DEC-4CB2-9DF1-32E4208602C7}"/>
+              </a:ext>
+            </a:extLst>
+          </p:cNvPr>
+          <p:cNvSpPr>
+            <a:spLocks noGrp="1"/>
+          </p:cNvSpPr>
+          <p:nvPr>
+            <p:ph type="title"/>
+          </p:nvPr>
+        </p:nvSpPr>
+        <p:spPr/>
+        <p:txBody>
+          <a:bodyPr/>
+          <a:lstStyle/>
+          <a:p>
+            <a:r>
+              <a:rPr lang="en-US" dirty="0"/>
+              <a:t>Recommendations</a:t>
+            </a:r>
+          </a:p>
+        </p:txBody>
+      </p:sp>
+      <p:sp>
+        <p:nvSpPr>
+          <p:cNvPr id="3" name="Content Placeholder 2">
+            <a:extLst>
+              <a:ext uri="{FF2B5EF4-FFF2-40B4-BE49-F238E27FC236}">
+                <a16:creationId xmlns:a16="http://schemas.microsoft.com/office/drawing/2014/main" id="{E348DF76-B6B9-4AE2-99C6-1CAE5013DC5D}"/>
+              </a:ext>
+            </a:extLst>
+          </p:cNvPr>
+          <p:cNvSpPr>
+            <a:spLocks noGrp="1"/>
+          </p:cNvSpPr>
+          <p:nvPr>
+            <p:ph idx="1"/>
+          </p:nvPr>
+        </p:nvSpPr>
+        <p:spPr/>
+        <p:txBody>
+          <a:bodyPr>
+            <a:normAutofit/>
+          </a:bodyPr>
+          <a:lstStyle/>
+          <a:p>
+            <a:pPr marL="36900" indent="0">
+              <a:buNone/>
+            </a:pPr>
+            <a:r>
+              <a:rPr lang="en-US" sz="4000" dirty="0"/>
+              <a:t>#1   Use Random Forest model to identify nonvoters with good recall and precision.</a:t>
+            </a:r>
+          </a:p>
+          <a:p>
+            <a:pPr marL="36900" indent="0">
+              <a:buNone/>
+            </a:pPr>
+            <a:r>
+              <a:rPr lang="en-US" sz="4000" dirty="0"/>
+              <a:t>Use Logistic model to identify more nonvoters but with some loss of precision (more false positives)</a:t>
+            </a:r>
+          </a:p>
+        </p:txBody>
+      </p:sp>
+    </p:spTree>
+    <p:extLst>
+      <p:ext uri="{BB962C8B-B14F-4D97-AF65-F5344CB8AC3E}">
+        <p14:creationId xmlns:p14="http://schemas.microsoft.com/office/powerpoint/2010/main" val="1053036330"/>
+      </p:ext>
+    </p:extLst>
+  </p:cSld>
+  <p:clrMapOvr>
+    <a:masterClrMapping/>
+  </p:clrMapOvr>
+</p:sld>
+</file>
+
+<file path=ppt/slides/slide24.xml><?xml version="1.0" encoding="utf-8"?>
+<p:sld xmlns:a="http://schemas.openxmlformats.org/drawingml/2006/main" xmlns:r="http://schemas.openxmlformats.org/officeDocument/2006/relationships" xmlns:p="http://schemas.openxmlformats.org/presentationml/2006/main">
+  <p:cSld>
+    <p:spTree>
+      <p:nvGrpSpPr>
+        <p:cNvPr id="1" name=""/>
+        <p:cNvGrpSpPr/>
+        <p:nvPr/>
+      </p:nvGrpSpPr>
+      <p:grpSpPr>
+        <a:xfrm>
+          <a:off x="0" y="0"/>
+          <a:ext cx="0" cy="0"/>
+          <a:chOff x="0" y="0"/>
+          <a:chExt cx="0" cy="0"/>
+        </a:xfrm>
+      </p:grpSpPr>
+      <p:sp>
+        <p:nvSpPr>
+          <p:cNvPr id="2" name="Title 1">
+            <a:extLst>
+              <a:ext uri="{FF2B5EF4-FFF2-40B4-BE49-F238E27FC236}">
+                <a16:creationId xmlns:a16="http://schemas.microsoft.com/office/drawing/2014/main" id="{C811F779-2DEC-4CB2-9DF1-32E4208602C7}"/>
+              </a:ext>
+            </a:extLst>
+          </p:cNvPr>
+          <p:cNvSpPr>
+            <a:spLocks noGrp="1"/>
+          </p:cNvSpPr>
+          <p:nvPr>
+            <p:ph type="title"/>
+          </p:nvPr>
+        </p:nvSpPr>
+        <p:spPr/>
+        <p:txBody>
+          <a:bodyPr/>
+          <a:lstStyle/>
+          <a:p>
+            <a:r>
+              <a:rPr lang="en-US" dirty="0"/>
+              <a:t>Recommendations</a:t>
+            </a:r>
+          </a:p>
+        </p:txBody>
+      </p:sp>
+      <p:sp>
+        <p:nvSpPr>
+          <p:cNvPr id="3" name="Content Placeholder 2">
+            <a:extLst>
+              <a:ext uri="{FF2B5EF4-FFF2-40B4-BE49-F238E27FC236}">
+                <a16:creationId xmlns:a16="http://schemas.microsoft.com/office/drawing/2014/main" id="{E348DF76-B6B9-4AE2-99C6-1CAE5013DC5D}"/>
+              </a:ext>
+            </a:extLst>
+          </p:cNvPr>
+          <p:cNvSpPr>
+            <a:spLocks noGrp="1"/>
+          </p:cNvSpPr>
+          <p:nvPr>
+            <p:ph idx="1"/>
+          </p:nvPr>
+        </p:nvSpPr>
+        <p:spPr/>
+        <p:txBody>
+          <a:bodyPr>
+            <a:normAutofit/>
+          </a:bodyPr>
+          <a:lstStyle/>
+          <a:p>
+            <a:pPr marL="36900" indent="0">
+              <a:buNone/>
+            </a:pPr>
+            <a:r>
+              <a:rPr lang="en-US" sz="4000" dirty="0"/>
+              <a:t>#2   Use Random Forest model to identify likely voters</a:t>
+            </a:r>
+          </a:p>
+        </p:txBody>
+      </p:sp>
+    </p:spTree>
+    <p:extLst>
+      <p:ext uri="{BB962C8B-B14F-4D97-AF65-F5344CB8AC3E}">
+        <p14:creationId xmlns:p14="http://schemas.microsoft.com/office/powerpoint/2010/main" val="3560208026"/>
+      </p:ext>
+    </p:extLst>
+  </p:cSld>
+  <p:clrMapOvr>
+    <a:masterClrMapping/>
+  </p:clrMapOvr>
+</p:sld>
+</file>
+
+<file path=ppt/slides/slide25.xml><?xml version="1.0" encoding="utf-8"?>
+<p:sld xmlns:a="http://schemas.openxmlformats.org/drawingml/2006/main" xmlns:r="http://schemas.openxmlformats.org/officeDocument/2006/relationships" xmlns:p="http://schemas.openxmlformats.org/presentationml/2006/main">
+  <p:cSld>
+    <p:spTree>
+      <p:nvGrpSpPr>
+        <p:cNvPr id="1" name=""/>
+        <p:cNvGrpSpPr/>
+        <p:nvPr/>
+      </p:nvGrpSpPr>
+      <p:grpSpPr>
+        <a:xfrm>
+          <a:off x="0" y="0"/>
+          <a:ext cx="0" cy="0"/>
+          <a:chOff x="0" y="0"/>
+          <a:chExt cx="0" cy="0"/>
+        </a:xfrm>
+      </p:grpSpPr>
+      <p:sp>
+        <p:nvSpPr>
+          <p:cNvPr id="2" name="Title 1">
+            <a:extLst>
+              <a:ext uri="{FF2B5EF4-FFF2-40B4-BE49-F238E27FC236}">
+                <a16:creationId xmlns:a16="http://schemas.microsoft.com/office/drawing/2014/main" id="{C811F779-2DEC-4CB2-9DF1-32E4208602C7}"/>
+              </a:ext>
+            </a:extLst>
+          </p:cNvPr>
+          <p:cNvSpPr>
+            <a:spLocks noGrp="1"/>
+          </p:cNvSpPr>
+          <p:nvPr>
+            <p:ph type="title"/>
+          </p:nvPr>
+        </p:nvSpPr>
+        <p:spPr/>
+        <p:txBody>
+          <a:bodyPr/>
+          <a:lstStyle/>
+          <a:p>
+            <a:r>
+              <a:rPr lang="en-US" dirty="0"/>
+              <a:t>Recommendations</a:t>
+            </a:r>
+          </a:p>
+        </p:txBody>
+      </p:sp>
+      <p:sp>
+        <p:nvSpPr>
+          <p:cNvPr id="3" name="Content Placeholder 2">
+            <a:extLst>
+              <a:ext uri="{FF2B5EF4-FFF2-40B4-BE49-F238E27FC236}">
+                <a16:creationId xmlns:a16="http://schemas.microsoft.com/office/drawing/2014/main" id="{E348DF76-B6B9-4AE2-99C6-1CAE5013DC5D}"/>
+              </a:ext>
+            </a:extLst>
+          </p:cNvPr>
+          <p:cNvSpPr>
+            <a:spLocks noGrp="1"/>
+          </p:cNvSpPr>
+          <p:nvPr>
+            <p:ph idx="1"/>
+          </p:nvPr>
+        </p:nvSpPr>
+        <p:spPr/>
+        <p:txBody>
+          <a:bodyPr>
+            <a:normAutofit/>
+          </a:bodyPr>
+          <a:lstStyle/>
+          <a:p>
+            <a:pPr marL="36900" indent="0">
+              <a:buNone/>
+            </a:pPr>
+            <a:r>
+              <a:rPr lang="en-US" sz="4000" dirty="0"/>
+              <a:t>#3   Use clustering to identify groups of voters and tailor message to these groups</a:t>
+            </a:r>
+          </a:p>
+        </p:txBody>
+      </p:sp>
+    </p:spTree>
+    <p:extLst>
+      <p:ext uri="{BB962C8B-B14F-4D97-AF65-F5344CB8AC3E}">
+        <p14:creationId xmlns:p14="http://schemas.microsoft.com/office/powerpoint/2010/main" val="1909104548"/>
+      </p:ext>
+    </p:extLst>
+  </p:cSld>
+  <p:clrMapOvr>
+    <a:masterClrMapping/>
+  </p:clrMapOvr>
+</p:sld>
+</file>
+
+<file path=ppt/slides/slide3.xml><?xml version="1.0" encoding="utf-8"?>
+<p:sld xmlns:a="http://schemas.openxmlformats.org/drawingml/2006/main" xmlns:r="http://schemas.openxmlformats.org/officeDocument/2006/relationships" xmlns:p="http://schemas.openxmlformats.org/presentationml/2006/main">
+  <p:cSld>
+    <p:spTree>
+      <p:nvGrpSpPr>
+        <p:cNvPr id="1" name=""/>
+        <p:cNvGrpSpPr/>
+        <p:nvPr/>
+      </p:nvGrpSpPr>
+      <p:grpSpPr>
+        <a:xfrm>
+          <a:off x="0" y="0"/>
+          <a:ext cx="0" cy="0"/>
+          <a:chOff x="0" y="0"/>
+          <a:chExt cx="0" cy="0"/>
+        </a:xfrm>
+      </p:grpSpPr>
+      <p:sp>
+        <p:nvSpPr>
+          <p:cNvPr id="2" name="Title 1">
+            <a:extLst>
+              <a:ext uri="{FF2B5EF4-FFF2-40B4-BE49-F238E27FC236}">
+                <a16:creationId xmlns:a16="http://schemas.microsoft.com/office/drawing/2014/main" id="{D4C04F70-34A7-4053-A5FB-E6355B65A2BB}"/>
+              </a:ext>
+            </a:extLst>
+          </p:cNvPr>
+          <p:cNvSpPr>
+            <a:spLocks noGrp="1"/>
+          </p:cNvSpPr>
+          <p:nvPr>
+            <p:ph type="title"/>
+          </p:nvPr>
+        </p:nvSpPr>
+        <p:spPr/>
+        <p:txBody>
+          <a:bodyPr>
+            <a:normAutofit fontScale="90000"/>
+          </a:bodyPr>
+          <a:lstStyle/>
+          <a:p>
+            <a:r>
+              <a:rPr lang="en-US" sz="4000" b="1" dirty="0">
+                <a:effectLst/>
+                <a:latin typeface="Garamond" panose="02020404030301010803" pitchFamily="18" charset="0"/>
+                <a:ea typeface="Calibri" panose="020F0502020204030204" pitchFamily="34" charset="0"/>
+                <a:cs typeface="Times New Roman" panose="02020603050405020304" pitchFamily="18" charset="0"/>
+              </a:rPr>
+              <a:t>Problem Statements</a:t>
+            </a:r>
+            <a:br>
+              <a:rPr lang="en-US" sz="4000" dirty="0">
+                <a:effectLst/>
+                <a:latin typeface="Calibri" panose="020F0502020204030204" pitchFamily="34" charset="0"/>
+                <a:ea typeface="Calibri" panose="020F0502020204030204" pitchFamily="34" charset="0"/>
+                <a:cs typeface="Times New Roman" panose="02020603050405020304" pitchFamily="18" charset="0"/>
+              </a:rPr>
+            </a:br>
+            <a:endParaRPr lang="en-US" dirty="0"/>
+          </a:p>
+        </p:txBody>
+      </p:sp>
+      <p:sp>
+        <p:nvSpPr>
+          <p:cNvPr id="3" name="Content Placeholder 2">
+            <a:extLst>
+              <a:ext uri="{FF2B5EF4-FFF2-40B4-BE49-F238E27FC236}">
+                <a16:creationId xmlns:a16="http://schemas.microsoft.com/office/drawing/2014/main" id="{5485D19C-9122-44A8-B44E-5437FEE13C32}"/>
+              </a:ext>
+            </a:extLst>
+          </p:cNvPr>
+          <p:cNvSpPr>
+            <a:spLocks noGrp="1"/>
+          </p:cNvSpPr>
+          <p:nvPr>
+            <p:ph idx="1"/>
+          </p:nvPr>
+        </p:nvSpPr>
+        <p:spPr/>
+        <p:txBody>
+          <a:bodyPr>
+            <a:noAutofit/>
+          </a:bodyPr>
+          <a:lstStyle/>
+          <a:p>
+            <a:pPr marL="342900" marR="0" lvl="0" indent="-342900">
+              <a:lnSpc>
+                <a:spcPct val="150000"/>
+              </a:lnSpc>
+              <a:spcBef>
+                <a:spcPts val="0"/>
+              </a:spcBef>
+              <a:spcAft>
+                <a:spcPts val="0"/>
+              </a:spcAft>
+              <a:buFont typeface="Symbol" panose="05050102010706020507" pitchFamily="18" charset="2"/>
+              <a:buChar char=""/>
+            </a:pPr>
+            <a:r>
+              <a:rPr lang="en-US" sz="4000" dirty="0">
+                <a:effectLst/>
+                <a:latin typeface="Garamond" panose="02020404030301010803" pitchFamily="18" charset="0"/>
+                <a:ea typeface="Calibri" panose="020F0502020204030204" pitchFamily="34" charset="0"/>
+                <a:cs typeface="Times New Roman" panose="02020603050405020304" pitchFamily="18" charset="0"/>
+              </a:rPr>
+              <a:t>Can citizens be placed a small number of groups in which they share common characteristics?</a:t>
+            </a:r>
+          </a:p>
+          <a:p>
+            <a:endParaRPr lang="en-US" sz="4000" dirty="0"/>
+          </a:p>
+        </p:txBody>
+      </p:sp>
+    </p:spTree>
+    <p:extLst>
+      <p:ext uri="{BB962C8B-B14F-4D97-AF65-F5344CB8AC3E}">
+        <p14:creationId xmlns:p14="http://schemas.microsoft.com/office/powerpoint/2010/main" val="1569301894"/>
       </p:ext>
     </p:extLst>
   </p:cSld>
@@ -8138,7 +9188,7 @@
           <p:cNvPr id="2" name="Title 1">
             <a:extLst>
               <a:ext uri="{FF2B5EF4-FFF2-40B4-BE49-F238E27FC236}">
-                <a16:creationId xmlns:a16="http://schemas.microsoft.com/office/drawing/2014/main" id="{A464110F-BD9E-4474-BDEB-D7A208DBC22B}"/>
+                <a16:creationId xmlns:a16="http://schemas.microsoft.com/office/drawing/2014/main" id="{4F9FC22F-4523-43E3-B694-C6253B54FBB9}"/>
               </a:ext>
             </a:extLst>
           </p:cNvPr>
@@ -8157,8 +9207,8 @@
           <a:lstStyle/>
           <a:p>
             <a:r>
-              <a:rPr lang="en-US" sz="2400" dirty="0"/>
-              <a:t>Most Important Responses</a:t>
+              <a:rPr lang="en-US" sz="3200" dirty="0"/>
+              <a:t>Data</a:t>
             </a:r>
           </a:p>
         </p:txBody>
@@ -8168,7 +9218,7 @@
           <p:cNvPr id="3" name="Content Placeholder 2">
             <a:extLst>
               <a:ext uri="{FF2B5EF4-FFF2-40B4-BE49-F238E27FC236}">
-                <a16:creationId xmlns:a16="http://schemas.microsoft.com/office/drawing/2014/main" id="{45285A01-539A-408F-ACD2-DBB5B0A76FAD}"/>
+                <a16:creationId xmlns:a16="http://schemas.microsoft.com/office/drawing/2014/main" id="{41307EC6-3BA8-4559-A6DC-25B5CD26634C}"/>
               </a:ext>
             </a:extLst>
           </p:cNvPr>
@@ -8179,38 +9229,67 @@
             <p:ph idx="1"/>
           </p:nvPr>
         </p:nvSpPr>
-        <p:spPr>
-          <a:xfrm>
-            <a:off x="919119" y="2904024"/>
-            <a:ext cx="10353762" cy="858351"/>
-          </a:xfrm>
-        </p:spPr>
+        <p:spPr/>
         <p:txBody>
           <a:bodyPr>
             <a:normAutofit/>
           </a:bodyPr>
           <a:lstStyle/>
           <a:p>
-            <a:pPr marL="36900" indent="0" algn="ctr">
-              <a:buNone/>
+            <a:pPr>
+              <a:buFont typeface="Arial" panose="020B0604020202020204" pitchFamily="34" charset="0"/>
+              <a:buChar char="•"/>
             </a:pPr>
             <a:r>
-              <a:rPr lang="en-US" sz="4000" dirty="0">
-                <a:effectLst/>
-                <a:latin typeface="Garamond" panose="02020404030301010803" pitchFamily="18" charset="0"/>
-                <a:ea typeface="Calibri" panose="020F0502020204030204" pitchFamily="34" charset="0"/>
-                <a:cs typeface="Times New Roman" panose="02020603050405020304" pitchFamily="18" charset="0"/>
-              </a:rPr>
-              <a:t>1. Voting is an important civic duty</a:t>
-            </a:r>
-            <a:endParaRPr lang="en-US" sz="4000" dirty="0"/>
+              <a:rPr lang="en-US" sz="4000" dirty="0"/>
+              <a:t>Survey – categorical</a:t>
+            </a:r>
+          </a:p>
+          <a:p>
+            <a:pPr>
+              <a:buFont typeface="Arial" panose="020B0604020202020204" pitchFamily="34" charset="0"/>
+              <a:buChar char="•"/>
+            </a:pPr>
+            <a:r>
+              <a:rPr lang="en-US" sz="4000" dirty="0"/>
+              <a:t>5836 respondents</a:t>
+            </a:r>
+          </a:p>
+          <a:p>
+            <a:pPr>
+              <a:buFont typeface="Arial" panose="020B0604020202020204" pitchFamily="34" charset="0"/>
+              <a:buChar char="•"/>
+            </a:pPr>
+            <a:r>
+              <a:rPr lang="en-US" sz="4000" dirty="0"/>
+              <a:t>115 features</a:t>
+            </a:r>
+          </a:p>
+          <a:p>
+            <a:pPr>
+              <a:buFont typeface="Arial" panose="020B0604020202020204" pitchFamily="34" charset="0"/>
+              <a:buChar char="•"/>
+            </a:pPr>
+            <a:r>
+              <a:rPr lang="en-US" sz="4000" dirty="0"/>
+              <a:t>Target: </a:t>
+            </a:r>
+          </a:p>
+          <a:p>
+            <a:pPr marL="36900" indent="0">
+              <a:buNone/>
+            </a:pPr>
+            <a:r>
+              <a:rPr lang="en-US" sz="4000" dirty="0"/>
+              <a:t>voter category – always, sporadic, rarely/never</a:t>
+            </a:r>
           </a:p>
         </p:txBody>
       </p:sp>
     </p:spTree>
     <p:extLst>
       <p:ext uri="{BB962C8B-B14F-4D97-AF65-F5344CB8AC3E}">
-        <p14:creationId xmlns:p14="http://schemas.microsoft.com/office/powerpoint/2010/main" val="3237449213"/>
+        <p14:creationId xmlns:p14="http://schemas.microsoft.com/office/powerpoint/2010/main" val="842365242"/>
       </p:ext>
     </p:extLst>
   </p:cSld>
@@ -8242,7 +9321,7 @@
           <p:cNvPr id="2" name="Title 1">
             <a:extLst>
               <a:ext uri="{FF2B5EF4-FFF2-40B4-BE49-F238E27FC236}">
-                <a16:creationId xmlns:a16="http://schemas.microsoft.com/office/drawing/2014/main" id="{A464110F-BD9E-4474-BDEB-D7A208DBC22B}"/>
+                <a16:creationId xmlns:a16="http://schemas.microsoft.com/office/drawing/2014/main" id="{8A10A7D9-700E-46F3-A2E1-F7BD65A11AAD}"/>
               </a:ext>
             </a:extLst>
           </p:cNvPr>
@@ -8262,7 +9341,7 @@
           <a:p>
             <a:r>
               <a:rPr lang="en-US" sz="2400" dirty="0"/>
-              <a:t>Most Important Responses</a:t>
+              <a:t>Presentation Outline</a:t>
             </a:r>
           </a:p>
         </p:txBody>
@@ -8272,7 +9351,7 @@
           <p:cNvPr id="3" name="Content Placeholder 2">
             <a:extLst>
               <a:ext uri="{FF2B5EF4-FFF2-40B4-BE49-F238E27FC236}">
-                <a16:creationId xmlns:a16="http://schemas.microsoft.com/office/drawing/2014/main" id="{45285A01-539A-408F-ACD2-DBB5B0A76FAD}"/>
+                <a16:creationId xmlns:a16="http://schemas.microsoft.com/office/drawing/2014/main" id="{FF6BF8C1-0AA0-485E-B3AB-17B0E4D0379F}"/>
               </a:ext>
             </a:extLst>
           </p:cNvPr>
@@ -8283,30 +9362,89 @@
             <p:ph idx="1"/>
           </p:nvPr>
         </p:nvSpPr>
-        <p:spPr>
-          <a:xfrm>
-            <a:off x="919119" y="2904024"/>
-            <a:ext cx="10353762" cy="858351"/>
-          </a:xfrm>
-        </p:spPr>
+        <p:spPr/>
         <p:txBody>
           <a:bodyPr>
             <a:normAutofit/>
           </a:bodyPr>
           <a:lstStyle/>
           <a:p>
-            <a:pPr marL="36900" indent="0" algn="ctr">
-              <a:buNone/>
+            <a:pPr>
+              <a:buFont typeface="Arial" panose="020B0604020202020204" pitchFamily="34" charset="0"/>
+              <a:buChar char="•"/>
             </a:pPr>
             <a:r>
+              <a:rPr lang="en-US" sz="4000" dirty="0"/>
+              <a:t>Random Forest</a:t>
+            </a:r>
+          </a:p>
+          <a:p>
+            <a:pPr>
+              <a:buFont typeface="Arial" panose="020B0604020202020204" pitchFamily="34" charset="0"/>
+              <a:buChar char="•"/>
+            </a:pPr>
+            <a:r>
               <a:rPr lang="en-US" sz="4000" dirty="0">
-                <a:effectLst/>
-                <a:latin typeface="Garamond" panose="02020404030301010803" pitchFamily="18" charset="0"/>
-                <a:ea typeface="Calibri" panose="020F0502020204030204" pitchFamily="34" charset="0"/>
-                <a:cs typeface="Times New Roman" panose="02020603050405020304" pitchFamily="18" charset="0"/>
+                <a:solidFill>
+                  <a:schemeClr val="tx2">
+                    <a:lumMod val="50000"/>
+                  </a:schemeClr>
+                </a:solidFill>
               </a:rPr>
-              <a:t>2. Plan to vote in 2020 national election</a:t>
-            </a:r>
+              <a:t>K-means Clustering</a:t>
+            </a:r>
+          </a:p>
+          <a:p>
+            <a:pPr>
+              <a:buFont typeface="Arial" panose="020B0604020202020204" pitchFamily="34" charset="0"/>
+              <a:buChar char="•"/>
+            </a:pPr>
+            <a:r>
+              <a:rPr lang="en-US" sz="4000" dirty="0">
+                <a:solidFill>
+                  <a:schemeClr val="tx2">
+                    <a:lumMod val="50000"/>
+                  </a:schemeClr>
+                </a:solidFill>
+              </a:rPr>
+              <a:t>Other models</a:t>
+            </a:r>
+          </a:p>
+          <a:p>
+            <a:pPr>
+              <a:buFont typeface="Arial" panose="020B0604020202020204" pitchFamily="34" charset="0"/>
+              <a:buChar char="•"/>
+            </a:pPr>
+            <a:r>
+              <a:rPr lang="en-US" sz="4000" dirty="0">
+                <a:solidFill>
+                  <a:schemeClr val="tx2">
+                    <a:lumMod val="50000"/>
+                  </a:schemeClr>
+                </a:solidFill>
+              </a:rPr>
+              <a:t>Recommendations</a:t>
+            </a:r>
+          </a:p>
+          <a:p>
+            <a:pPr>
+              <a:buFont typeface="Arial" panose="020B0604020202020204" pitchFamily="34" charset="0"/>
+              <a:buChar char="•"/>
+            </a:pPr>
+            <a:endParaRPr lang="en-US" sz="4000" dirty="0"/>
+          </a:p>
+          <a:p>
+            <a:pPr>
+              <a:buFont typeface="Arial" panose="020B0604020202020204" pitchFamily="34" charset="0"/>
+              <a:buChar char="•"/>
+            </a:pPr>
+            <a:endParaRPr lang="en-US" sz="4000" dirty="0"/>
+          </a:p>
+          <a:p>
+            <a:pPr>
+              <a:buFont typeface="Arial" panose="020B0604020202020204" pitchFamily="34" charset="0"/>
+              <a:buChar char="•"/>
+            </a:pPr>
             <a:endParaRPr lang="en-US" sz="4000" dirty="0"/>
           </a:p>
         </p:txBody>
@@ -8314,7 +9452,7 @@
     </p:spTree>
     <p:extLst>
       <p:ext uri="{BB962C8B-B14F-4D97-AF65-F5344CB8AC3E}">
-        <p14:creationId xmlns:p14="http://schemas.microsoft.com/office/powerpoint/2010/main" val="99169869"/>
+        <p14:creationId xmlns:p14="http://schemas.microsoft.com/office/powerpoint/2010/main" val="1404563926"/>
       </p:ext>
     </p:extLst>
   </p:cSld>
@@ -8327,6 +9465,25 @@
 <file path=ppt/slides/slide6.xml><?xml version="1.0" encoding="utf-8"?>
 <p:sld xmlns:a="http://schemas.openxmlformats.org/drawingml/2006/main" xmlns:r="http://schemas.openxmlformats.org/officeDocument/2006/relationships" xmlns:p="http://schemas.openxmlformats.org/presentationml/2006/main">
   <p:cSld>
+    <p:bg>
+      <p:bgPr>
+        <a:blipFill rotWithShape="1">
+          <a:blip r:embed="rId2">
+            <a:duotone>
+              <a:schemeClr val="bg2">
+                <a:shade val="80000"/>
+                <a:lumMod val="80000"/>
+              </a:schemeClr>
+              <a:schemeClr val="bg2">
+                <a:tint val="98000"/>
+              </a:schemeClr>
+            </a:duotone>
+          </a:blip>
+          <a:stretch/>
+        </a:blipFill>
+        <a:effectLst/>
+      </p:bgPr>
+    </p:bg>
     <p:spTree>
       <p:nvGrpSpPr>
         <p:cNvPr id="1" name=""/>
@@ -8343,82 +9500,121 @@
       </p:grpSpPr>
       <p:sp>
         <p:nvSpPr>
-          <p:cNvPr id="2" name="Title 1">
+          <p:cNvPr id="71" name="Rectangle 70">
             <a:extLst>
               <a:ext uri="{FF2B5EF4-FFF2-40B4-BE49-F238E27FC236}">
-                <a16:creationId xmlns:a16="http://schemas.microsoft.com/office/drawing/2014/main" id="{A464110F-BD9E-4474-BDEB-D7A208DBC22B}"/>
+                <a16:creationId xmlns:a16="http://schemas.microsoft.com/office/drawing/2014/main" id="{1149F43D-E43A-49B5-B781-48DF10A581BD}"/>
+              </a:ext>
+              <a:ext uri="{C183D7F6-B498-43B3-948B-1728B52AA6E4}">
+                <adec:decorative xmlns:adec="http://schemas.microsoft.com/office/drawing/2017/decorative" val="1"/>
               </a:ext>
             </a:extLst>
           </p:cNvPr>
           <p:cNvSpPr>
-            <a:spLocks noGrp="1"/>
-          </p:cNvSpPr>
-          <p:nvPr>
-            <p:ph type="title"/>
-          </p:nvPr>
-        </p:nvSpPr>
-        <p:spPr/>
-        <p:txBody>
-          <a:bodyPr>
-            <a:normAutofit/>
-          </a:bodyPr>
-          <a:lstStyle/>
-          <a:p>
-            <a:r>
-              <a:rPr lang="en-US" sz="2400" dirty="0"/>
-              <a:t>Most Important Responses</a:t>
-            </a:r>
-          </a:p>
-        </p:txBody>
-      </p:sp>
-      <p:sp>
-        <p:nvSpPr>
-          <p:cNvPr id="3" name="Content Placeholder 2">
+            <a:spLocks noGrp="1" noRot="1" noChangeAspect="1" noMove="1" noResize="1" noEditPoints="1" noAdjustHandles="1" noChangeArrowheads="1" noChangeShapeType="1" noTextEdit="1"/>
+          </p:cNvSpPr>
+          <p:nvPr>
+            <p:extLst>
+              <p:ext uri="{386F3935-93C4-4BCD-93E2-E3B085C9AB24}">
+                <p16:designElem xmlns:p16="http://schemas.microsoft.com/office/powerpoint/2015/main" val="1"/>
+              </p:ext>
+            </p:extLst>
+          </p:nvPr>
+        </p:nvSpPr>
+        <p:spPr>
+          <a:xfrm>
+            <a:off x="985720" y="968938"/>
+            <a:ext cx="10278846" cy="4932523"/>
+          </a:xfrm>
+          <a:prstGeom prst="rect">
+            <a:avLst/>
+          </a:prstGeom>
+          <a:solidFill>
+            <a:schemeClr val="tx1"/>
+          </a:solidFill>
+          <a:ln w="190500">
+            <a:solidFill>
+              <a:schemeClr val="tx1">
+                <a:alpha val="7000"/>
+              </a:schemeClr>
+            </a:solidFill>
+          </a:ln>
+        </p:spPr>
+        <p:style>
+          <a:lnRef idx="2">
+            <a:schemeClr val="accent1">
+              <a:shade val="50000"/>
+            </a:schemeClr>
+          </a:lnRef>
+          <a:fillRef idx="1">
+            <a:schemeClr val="accent1"/>
+          </a:fillRef>
+          <a:effectRef idx="0">
+            <a:schemeClr val="accent1"/>
+          </a:effectRef>
+          <a:fontRef idx="minor">
+            <a:schemeClr val="lt1"/>
+          </a:fontRef>
+        </p:style>
+        <p:txBody>
+          <a:bodyPr rtlCol="0" anchor="ctr"/>
+          <a:lstStyle/>
+          <a:p>
+            <a:pPr algn="ctr"/>
+            <a:endParaRPr lang="en-US"/>
+          </a:p>
+        </p:txBody>
+      </p:sp>
+      <p:pic>
+        <p:nvPicPr>
+          <p:cNvPr id="2050" name="Picture 2" descr="Chart&#10;&#10;Description automatically generated">
             <a:extLst>
               <a:ext uri="{FF2B5EF4-FFF2-40B4-BE49-F238E27FC236}">
-                <a16:creationId xmlns:a16="http://schemas.microsoft.com/office/drawing/2014/main" id="{45285A01-539A-408F-ACD2-DBB5B0A76FAD}"/>
+                <a16:creationId xmlns:a16="http://schemas.microsoft.com/office/drawing/2014/main" id="{B54644C9-8980-4837-B365-8BCBB327294E}"/>
               </a:ext>
             </a:extLst>
           </p:cNvPr>
-          <p:cNvSpPr>
-            <a:spLocks noGrp="1"/>
-          </p:cNvSpPr>
-          <p:nvPr>
-            <p:ph idx="1"/>
-          </p:nvPr>
-        </p:nvSpPr>
-        <p:spPr>
+          <p:cNvPicPr>
+            <a:picLocks noChangeAspect="1" noChangeArrowheads="1"/>
+          </p:cNvPicPr>
+          <p:nvPr/>
+        </p:nvPicPr>
+        <p:blipFill>
+          <a:blip r:embed="rId3">
+            <a:extLst>
+              <a:ext uri="{28A0092B-C50C-407E-A947-70E740481C1C}">
+                <a14:useLocalDpi xmlns:a14="http://schemas.microsoft.com/office/drawing/2010/main" val="0"/>
+              </a:ext>
+            </a:extLst>
+          </a:blip>
+          <a:stretch>
+            <a:fillRect/>
+          </a:stretch>
+        </p:blipFill>
+        <p:spPr bwMode="auto">
           <a:xfrm>
-            <a:off x="919119" y="2904024"/>
-            <a:ext cx="10353762" cy="858351"/>
+            <a:off x="3688463" y="1290671"/>
+            <a:ext cx="4855826" cy="4289057"/>
           </a:xfrm>
+          <a:prstGeom prst="rect">
+            <a:avLst/>
+          </a:prstGeom>
+          <a:noFill/>
+          <a:extLst>
+            <a:ext uri="{909E8E84-426E-40DD-AFC4-6F175D3DCCD1}">
+              <a14:hiddenFill xmlns:a14="http://schemas.microsoft.com/office/drawing/2010/main">
+                <a:solidFill>
+                  <a:srgbClr val="FFFFFF"/>
+                </a:solidFill>
+              </a14:hiddenFill>
+            </a:ext>
+          </a:extLst>
         </p:spPr>
-        <p:txBody>
-          <a:bodyPr>
-            <a:normAutofit/>
-          </a:bodyPr>
-          <a:lstStyle/>
-          <a:p>
-            <a:pPr marL="36900" indent="0" algn="ctr">
-              <a:buNone/>
-            </a:pPr>
-            <a:r>
-              <a:rPr lang="en-US" sz="4000" dirty="0">
-                <a:effectLst/>
-                <a:latin typeface="Garamond" panose="02020404030301010803" pitchFamily="18" charset="0"/>
-                <a:ea typeface="Calibri" panose="020F0502020204030204" pitchFamily="34" charset="0"/>
-                <a:cs typeface="Times New Roman" panose="02020603050405020304" pitchFamily="18" charset="0"/>
-              </a:rPr>
-              <a:t>3. Registered to vote</a:t>
-            </a:r>
-            <a:endParaRPr lang="en-US" sz="4000" dirty="0"/>
-          </a:p>
-        </p:txBody>
-      </p:sp>
+      </p:pic>
     </p:spTree>
     <p:extLst>
       <p:ext uri="{BB962C8B-B14F-4D97-AF65-F5344CB8AC3E}">
-        <p14:creationId xmlns:p14="http://schemas.microsoft.com/office/powerpoint/2010/main" val="3852745186"/>
+        <p14:creationId xmlns:p14="http://schemas.microsoft.com/office/powerpoint/2010/main" val="3416194156"/>
       </p:ext>
     </p:extLst>
   </p:cSld>
@@ -8493,13 +9689,13 @@
         </p:nvSpPr>
         <p:spPr>
           <a:xfrm>
-            <a:off x="919118" y="2904024"/>
-            <a:ext cx="10415631" cy="1658451"/>
+            <a:off x="919119" y="2904024"/>
+            <a:ext cx="10353762" cy="858351"/>
           </a:xfrm>
         </p:spPr>
         <p:txBody>
           <a:bodyPr>
-            <a:noAutofit/>
+            <a:normAutofit/>
           </a:bodyPr>
           <a:lstStyle/>
           <a:p>
@@ -8513,7 +9709,7 @@
                 <a:ea typeface="Calibri" panose="020F0502020204030204" pitchFamily="34" charset="0"/>
                 <a:cs typeface="Times New Roman" panose="02020603050405020304" pitchFamily="18" charset="0"/>
               </a:rPr>
-              <a:t>No matter who wins, nothing will change for people like me</a:t>
+              <a:t>1. Voting is an important civic duty</a:t>
             </a:r>
             <a:endParaRPr lang="en-US" sz="4000" dirty="0"/>
           </a:p>
@@ -8522,7 +9718,7 @@
     </p:spTree>
     <p:extLst>
       <p:ext uri="{BB962C8B-B14F-4D97-AF65-F5344CB8AC3E}">
-        <p14:creationId xmlns:p14="http://schemas.microsoft.com/office/powerpoint/2010/main" val="1378337993"/>
+        <p14:creationId xmlns:p14="http://schemas.microsoft.com/office/powerpoint/2010/main" val="3237449213"/>
       </p:ext>
     </p:extLst>
   </p:cSld>
@@ -8574,7 +9770,7 @@
           <a:p>
             <a:r>
               <a:rPr lang="en-US" sz="2400" dirty="0"/>
-              <a:t>Not Important Responses</a:t>
+              <a:t>Most Important Responses</a:t>
             </a:r>
           </a:p>
         </p:txBody>
@@ -8597,13 +9793,13 @@
         </p:nvSpPr>
         <p:spPr>
           <a:xfrm>
-            <a:off x="919118" y="2904024"/>
-            <a:ext cx="10415631" cy="1658451"/>
+            <a:off x="919119" y="2904024"/>
+            <a:ext cx="10353762" cy="858351"/>
           </a:xfrm>
         </p:spPr>
         <p:txBody>
           <a:bodyPr>
-            <a:noAutofit/>
+            <a:normAutofit/>
           </a:bodyPr>
           <a:lstStyle/>
           <a:p>
@@ -8617,7 +9813,7 @@
                 <a:ea typeface="Calibri" panose="020F0502020204030204" pitchFamily="34" charset="0"/>
                 <a:cs typeface="Times New Roman" panose="02020603050405020304" pitchFamily="18" charset="0"/>
               </a:rPr>
-              <a:t>demographic information and difficulty voting</a:t>
+              <a:t>2. Plan to vote in 2020 national election</a:t>
             </a:r>
             <a:endParaRPr lang="en-US" sz="4000" dirty="0"/>
           </a:p>
@@ -8626,7 +9822,7 @@
     </p:spTree>
     <p:extLst>
       <p:ext uri="{BB962C8B-B14F-4D97-AF65-F5344CB8AC3E}">
-        <p14:creationId xmlns:p14="http://schemas.microsoft.com/office/powerpoint/2010/main" val="4286457106"/>
+        <p14:creationId xmlns:p14="http://schemas.microsoft.com/office/powerpoint/2010/main" val="99169869"/>
       </p:ext>
     </p:extLst>
   </p:cSld>
@@ -8658,7 +9854,7 @@
           <p:cNvPr id="2" name="Title 1">
             <a:extLst>
               <a:ext uri="{FF2B5EF4-FFF2-40B4-BE49-F238E27FC236}">
-                <a16:creationId xmlns:a16="http://schemas.microsoft.com/office/drawing/2014/main" id="{90706137-9416-47E1-B0FF-16FAA9E1C38C}"/>
+                <a16:creationId xmlns:a16="http://schemas.microsoft.com/office/drawing/2014/main" id="{A464110F-BD9E-4474-BDEB-D7A208DBC22B}"/>
               </a:ext>
             </a:extLst>
           </p:cNvPr>
@@ -8671,63 +9867,66 @@
         </p:nvSpPr>
         <p:spPr/>
         <p:txBody>
-          <a:bodyPr/>
-          <a:lstStyle/>
-          <a:p>
-            <a:r>
-              <a:rPr lang="en-US" dirty="0" err="1"/>
-              <a:t>Kmeans</a:t>
-            </a:r>
-            <a:r>
-              <a:rPr lang="en-US" dirty="0"/>
-              <a:t> clustering</a:t>
-            </a:r>
-          </a:p>
-        </p:txBody>
-      </p:sp>
-      <p:pic>
-        <p:nvPicPr>
-          <p:cNvPr id="4" name="Picture 3" descr="Chart, scatter chart&#10;&#10;Description automatically generated">
+          <a:bodyPr>
+            <a:normAutofit/>
+          </a:bodyPr>
+          <a:lstStyle/>
+          <a:p>
+            <a:r>
+              <a:rPr lang="en-US" sz="2400" dirty="0"/>
+              <a:t>Most Important Responses</a:t>
+            </a:r>
+          </a:p>
+        </p:txBody>
+      </p:sp>
+      <p:sp>
+        <p:nvSpPr>
+          <p:cNvPr id="3" name="Content Placeholder 2">
             <a:extLst>
               <a:ext uri="{FF2B5EF4-FFF2-40B4-BE49-F238E27FC236}">
-                <a16:creationId xmlns:a16="http://schemas.microsoft.com/office/drawing/2014/main" id="{45D4EF0E-5305-4D57-A3D6-F9ACECA17646}"/>
+                <a16:creationId xmlns:a16="http://schemas.microsoft.com/office/drawing/2014/main" id="{45285A01-539A-408F-ACD2-DBB5B0A76FAD}"/>
               </a:ext>
             </a:extLst>
           </p:cNvPr>
-          <p:cNvPicPr/>
-          <p:nvPr/>
-        </p:nvPicPr>
-        <p:blipFill>
-          <a:blip r:embed="rId2">
-            <a:extLst>
-              <a:ext uri="{28A0092B-C50C-407E-A947-70E740481C1C}">
-                <a14:useLocalDpi xmlns:a14="http://schemas.microsoft.com/office/drawing/2010/main" val="0"/>
-              </a:ext>
-            </a:extLst>
-          </a:blip>
-          <a:srcRect/>
-          <a:stretch>
-            <a:fillRect/>
-          </a:stretch>
-        </p:blipFill>
-        <p:spPr bwMode="auto">
+          <p:cNvSpPr>
+            <a:spLocks noGrp="1"/>
+          </p:cNvSpPr>
+          <p:nvPr>
+            <p:ph idx="1"/>
+          </p:nvPr>
+        </p:nvSpPr>
+        <p:spPr>
           <a:xfrm>
-            <a:off x="2264410" y="1800224"/>
-            <a:ext cx="6767830" cy="4946016"/>
+            <a:off x="919119" y="2904024"/>
+            <a:ext cx="10353762" cy="858351"/>
           </a:xfrm>
-          <a:prstGeom prst="rect">
-            <a:avLst/>
-          </a:prstGeom>
-          <a:noFill/>
-          <a:ln>
-            <a:noFill/>
-          </a:ln>
         </p:spPr>
-      </p:pic>
+        <p:txBody>
+          <a:bodyPr>
+            <a:normAutofit/>
+          </a:bodyPr>
+          <a:lstStyle/>
+          <a:p>
+            <a:pPr marL="36900" indent="0" algn="ctr">
+              <a:buNone/>
+            </a:pPr>
+            <a:r>
+              <a:rPr lang="en-US" sz="4000" dirty="0">
+                <a:effectLst/>
+                <a:latin typeface="Garamond" panose="02020404030301010803" pitchFamily="18" charset="0"/>
+                <a:ea typeface="Calibri" panose="020F0502020204030204" pitchFamily="34" charset="0"/>
+                <a:cs typeface="Times New Roman" panose="02020603050405020304" pitchFamily="18" charset="0"/>
+              </a:rPr>
+              <a:t>3. Registered to vote</a:t>
+            </a:r>
+            <a:endParaRPr lang="en-US" sz="4000" dirty="0"/>
+          </a:p>
+        </p:txBody>
+      </p:sp>
     </p:spTree>
     <p:extLst>
       <p:ext uri="{BB962C8B-B14F-4D97-AF65-F5344CB8AC3E}">
-        <p14:creationId xmlns:p14="http://schemas.microsoft.com/office/powerpoint/2010/main" val="3619684221"/>
+        <p14:creationId xmlns:p14="http://schemas.microsoft.com/office/powerpoint/2010/main" val="3852745186"/>
       </p:ext>
     </p:extLst>
   </p:cSld>
